--- a/PPTs/ProgramacionII_Clase_22-2019.pptx
+++ b/PPTs/ProgramacionII_Clase_22-2019.pptx
@@ -304,7 +304,7 @@
           </a:lstStyle>
           <a:p>
             <a:r>
-              <a:rPr lang="es-ES" smtClean="0"/>
+              <a:rPr lang="es-ES"/>
               <a:t>Haga clic para modificar el estilo de título del patrón</a:t>
             </a:r>
             <a:endParaRPr lang="en-US" dirty="0"/>
@@ -371,7 +371,7 @@
           </a:lstStyle>
           <a:p>
             <a:r>
-              <a:rPr lang="es-ES" smtClean="0"/>
+              <a:rPr lang="es-ES"/>
               <a:t>Haga clic para modificar el estilo de subtítulo del patrón</a:t>
             </a:r>
             <a:endParaRPr lang="en-US" dirty="0"/>
@@ -395,7 +395,7 @@
           <a:p>
             <a:fld id="{78ABE3C1-DBE1-495D-B57B-2849774B866A}" type="datetimeFigureOut">
               <a:rPr lang="en-US" dirty="0"/>
-              <a:t>6/6/2019</a:t>
+              <a:t>6/10/2020</a:t>
             </a:fld>
             <a:endParaRPr lang="en-US" dirty="0"/>
           </a:p>
@@ -639,7 +639,7 @@
           </a:lstStyle>
           <a:p>
             <a:r>
-              <a:rPr lang="es-ES" smtClean="0"/>
+              <a:rPr lang="es-ES"/>
               <a:t>Haga clic para modificar el estilo de título del patrón</a:t>
             </a:r>
             <a:endParaRPr lang="en-US" dirty="0"/>
@@ -715,7 +715,7 @@
           </a:lstStyle>
           <a:p>
             <a:r>
-              <a:rPr lang="es-ES" smtClean="0"/>
+              <a:rPr lang="es-ES"/>
               <a:t>Haga clic en el icono para agregar una imagen</a:t>
             </a:r>
             <a:endParaRPr lang="en-US" dirty="0"/>
@@ -781,7 +781,7 @@
           <a:p>
             <a:pPr lvl="0"/>
             <a:r>
-              <a:rPr lang="es-ES" smtClean="0"/>
+              <a:rPr lang="es-ES"/>
               <a:t>Haga clic para modificar el estilo de texto del patrón</a:t>
             </a:r>
           </a:p>
@@ -804,7 +804,7 @@
           <a:p>
             <a:fld id="{446C117F-5CCF-4837-BE5F-2B92066CAFAF}" type="datetimeFigureOut">
               <a:rPr lang="en-US" dirty="0"/>
-              <a:t>6/6/2019</a:t>
+              <a:t>6/10/2020</a:t>
             </a:fld>
             <a:endParaRPr lang="en-US" dirty="0"/>
           </a:p>
@@ -1046,7 +1046,7 @@
           </a:lstStyle>
           <a:p>
             <a:r>
-              <a:rPr lang="es-ES" smtClean="0"/>
+              <a:rPr lang="es-ES"/>
               <a:t>Haga clic para modificar el estilo de título del patrón</a:t>
             </a:r>
             <a:endParaRPr lang="en-US" dirty="0"/>
@@ -1112,7 +1112,7 @@
           <a:p>
             <a:pPr lvl="0"/>
             <a:r>
-              <a:rPr lang="es-ES" smtClean="0"/>
+              <a:rPr lang="es-ES"/>
               <a:t>Haga clic para modificar el estilo de texto del patrón</a:t>
             </a:r>
           </a:p>
@@ -1135,7 +1135,7 @@
           <a:p>
             <a:fld id="{84EB90BD-B6CE-46B7-997F-7313B992CCDC}" type="datetimeFigureOut">
               <a:rPr lang="en-US" dirty="0"/>
-              <a:t>6/6/2019</a:t>
+              <a:t>6/10/2020</a:t>
             </a:fld>
             <a:endParaRPr lang="en-US" dirty="0"/>
           </a:p>
@@ -1377,7 +1377,7 @@
           </a:lstStyle>
           <a:p>
             <a:r>
-              <a:rPr lang="es-ES" smtClean="0"/>
+              <a:rPr lang="es-ES"/>
               <a:t>Haga clic para modificar el estilo de título del patrón</a:t>
             </a:r>
             <a:endParaRPr lang="en-US" dirty="0"/>
@@ -1445,7 +1445,7 @@
           <a:p>
             <a:pPr lvl="0"/>
             <a:r>
-              <a:rPr lang="es-ES" smtClean="0"/>
+              <a:rPr lang="es-ES"/>
               <a:t>Haga clic para modificar el estilo de texto del patrón</a:t>
             </a:r>
           </a:p>
@@ -1512,7 +1512,7 @@
           <a:p>
             <a:pPr lvl="0"/>
             <a:r>
-              <a:rPr lang="es-ES" smtClean="0"/>
+              <a:rPr lang="es-ES"/>
               <a:t>Haga clic para modificar el estilo de texto del patrón</a:t>
             </a:r>
           </a:p>
@@ -1535,7 +1535,7 @@
           <a:p>
             <a:fld id="{CDB9D11F-B188-461D-B23F-39381795C052}" type="datetimeFigureOut">
               <a:rPr lang="en-US" dirty="0"/>
-              <a:t>6/6/2019</a:t>
+              <a:t>6/10/2020</a:t>
             </a:fld>
             <a:endParaRPr lang="en-US" dirty="0"/>
           </a:p>
@@ -2009,7 +2009,7 @@
           </a:lstStyle>
           <a:p>
             <a:r>
-              <a:rPr lang="es-ES" smtClean="0"/>
+              <a:rPr lang="es-ES"/>
               <a:t>Haga clic para modificar el estilo de título del patrón</a:t>
             </a:r>
             <a:endParaRPr lang="en-US" dirty="0"/>
@@ -2075,7 +2075,7 @@
           <a:p>
             <a:pPr lvl="0"/>
             <a:r>
-              <a:rPr lang="es-ES" smtClean="0"/>
+              <a:rPr lang="es-ES"/>
               <a:t>Haga clic para modificar el estilo de texto del patrón</a:t>
             </a:r>
           </a:p>
@@ -2098,7 +2098,7 @@
           <a:p>
             <a:fld id="{52E6D8D9-55A2-4063-B0F3-121F44549695}" type="datetimeFigureOut">
               <a:rPr lang="en-US" dirty="0"/>
-              <a:t>6/6/2019</a:t>
+              <a:t>6/10/2020</a:t>
             </a:fld>
             <a:endParaRPr lang="en-US" dirty="0"/>
           </a:p>
@@ -2336,7 +2336,7 @@
           <a:lstStyle/>
           <a:p>
             <a:r>
-              <a:rPr lang="es-ES" smtClean="0"/>
+              <a:rPr lang="es-ES"/>
               <a:t>Haga clic para modificar el estilo de título del patrón</a:t>
             </a:r>
             <a:endParaRPr lang="en-US" dirty="0"/>
@@ -2408,7 +2408,7 @@
           <a:p>
             <a:pPr lvl="0"/>
             <a:r>
-              <a:rPr lang="es-ES" smtClean="0"/>
+              <a:rPr lang="es-ES"/>
               <a:t>Haga clic para modificar el estilo de texto del patrón</a:t>
             </a:r>
           </a:p>
@@ -2475,7 +2475,7 @@
           <a:p>
             <a:pPr lvl="0"/>
             <a:r>
-              <a:rPr lang="es-ES" smtClean="0"/>
+              <a:rPr lang="es-ES"/>
               <a:t>Haga clic para modificar el estilo de texto del patrón</a:t>
             </a:r>
           </a:p>
@@ -2546,7 +2546,7 @@
           <a:p>
             <a:pPr lvl="0"/>
             <a:r>
-              <a:rPr lang="es-ES" smtClean="0"/>
+              <a:rPr lang="es-ES"/>
               <a:t>Haga clic para modificar el estilo de texto del patrón</a:t>
             </a:r>
           </a:p>
@@ -2613,7 +2613,7 @@
           <a:p>
             <a:pPr lvl="0"/>
             <a:r>
-              <a:rPr lang="es-ES" smtClean="0"/>
+              <a:rPr lang="es-ES"/>
               <a:t>Haga clic para modificar el estilo de texto del patrón</a:t>
             </a:r>
           </a:p>
@@ -2684,7 +2684,7 @@
           <a:p>
             <a:pPr lvl="0"/>
             <a:r>
-              <a:rPr lang="es-ES" smtClean="0"/>
+              <a:rPr lang="es-ES"/>
               <a:t>Haga clic para modificar el estilo de texto del patrón</a:t>
             </a:r>
           </a:p>
@@ -2751,7 +2751,7 @@
           <a:p>
             <a:pPr lvl="0"/>
             <a:r>
-              <a:rPr lang="es-ES" smtClean="0"/>
+              <a:rPr lang="es-ES"/>
               <a:t>Haga clic para modificar el estilo de texto del patrón</a:t>
             </a:r>
           </a:p>
@@ -2774,7 +2774,7 @@
           <a:p>
             <a:fld id="{D4B24536-994D-4021-A283-9F449C0DB509}" type="datetimeFigureOut">
               <a:rPr lang="en-US" dirty="0"/>
-              <a:t>6/6/2019</a:t>
+              <a:t>6/10/2020</a:t>
             </a:fld>
             <a:endParaRPr lang="en-US" dirty="0"/>
           </a:p>
@@ -3007,7 +3007,7 @@
           <a:lstStyle/>
           <a:p>
             <a:r>
-              <a:rPr lang="es-ES" smtClean="0"/>
+              <a:rPr lang="es-ES"/>
               <a:t>Haga clic para modificar el estilo de título del patrón</a:t>
             </a:r>
             <a:endParaRPr lang="en-US" dirty="0"/>
@@ -3079,7 +3079,7 @@
           <a:p>
             <a:pPr lvl="0"/>
             <a:r>
-              <a:rPr lang="es-ES" smtClean="0"/>
+              <a:rPr lang="es-ES"/>
               <a:t>Haga clic para modificar el estilo de texto del patrón</a:t>
             </a:r>
           </a:p>
@@ -3157,7 +3157,7 @@
           </a:lstStyle>
           <a:p>
             <a:r>
-              <a:rPr lang="es-ES" smtClean="0"/>
+              <a:rPr lang="es-ES"/>
               <a:t>Haga clic en el icono para agregar una imagen</a:t>
             </a:r>
             <a:endParaRPr lang="en-US" dirty="0"/>
@@ -3225,7 +3225,7 @@
           <a:p>
             <a:pPr lvl="0"/>
             <a:r>
-              <a:rPr lang="es-ES" smtClean="0"/>
+              <a:rPr lang="es-ES"/>
               <a:t>Haga clic para modificar el estilo de texto del patrón</a:t>
             </a:r>
           </a:p>
@@ -3296,7 +3296,7 @@
           <a:p>
             <a:pPr lvl="0"/>
             <a:r>
-              <a:rPr lang="es-ES" smtClean="0"/>
+              <a:rPr lang="es-ES"/>
               <a:t>Haga clic para modificar el estilo de texto del patrón</a:t>
             </a:r>
           </a:p>
@@ -3374,7 +3374,7 @@
           </a:lstStyle>
           <a:p>
             <a:r>
-              <a:rPr lang="es-ES" smtClean="0"/>
+              <a:rPr lang="es-ES"/>
               <a:t>Haga clic en el icono para agregar una imagen</a:t>
             </a:r>
             <a:endParaRPr lang="en-US" dirty="0"/>
@@ -3442,7 +3442,7 @@
           <a:p>
             <a:pPr lvl="0"/>
             <a:r>
-              <a:rPr lang="es-ES" smtClean="0"/>
+              <a:rPr lang="es-ES"/>
               <a:t>Haga clic para modificar el estilo de texto del patrón</a:t>
             </a:r>
           </a:p>
@@ -3513,7 +3513,7 @@
           <a:p>
             <a:pPr lvl="0"/>
             <a:r>
-              <a:rPr lang="es-ES" smtClean="0"/>
+              <a:rPr lang="es-ES"/>
               <a:t>Haga clic para modificar el estilo de texto del patrón</a:t>
             </a:r>
           </a:p>
@@ -3591,7 +3591,7 @@
           </a:lstStyle>
           <a:p>
             <a:r>
-              <a:rPr lang="es-ES" smtClean="0"/>
+              <a:rPr lang="es-ES"/>
               <a:t>Haga clic en el icono para agregar una imagen</a:t>
             </a:r>
             <a:endParaRPr lang="en-US" dirty="0"/>
@@ -3659,7 +3659,7 @@
           <a:p>
             <a:pPr lvl="0"/>
             <a:r>
-              <a:rPr lang="es-ES" smtClean="0"/>
+              <a:rPr lang="es-ES"/>
               <a:t>Haga clic para modificar el estilo de texto del patrón</a:t>
             </a:r>
           </a:p>
@@ -3682,7 +3682,7 @@
           <a:p>
             <a:fld id="{3CBBBB78-C96F-47B7-AB17-D852CA960AC9}" type="datetimeFigureOut">
               <a:rPr lang="en-US" dirty="0"/>
-              <a:t>6/6/2019</a:t>
+              <a:t>6/10/2020</a:t>
             </a:fld>
             <a:endParaRPr lang="en-US" dirty="0"/>
           </a:p>
@@ -3914,7 +3914,7 @@
           </a:lstStyle>
           <a:p>
             <a:r>
-              <a:rPr lang="es-ES" smtClean="0"/>
+              <a:rPr lang="es-ES"/>
               <a:t>Haga clic para modificar el estilo de título del patrón</a:t>
             </a:r>
             <a:endParaRPr lang="en-US" dirty="0"/>
@@ -3938,35 +3938,35 @@
           <a:p>
             <a:pPr lvl="0"/>
             <a:r>
-              <a:rPr lang="es-ES" smtClean="0"/>
+              <a:rPr lang="es-ES"/>
               <a:t>Haga clic para modificar el estilo de texto del patrón</a:t>
             </a:r>
           </a:p>
           <a:p>
             <a:pPr lvl="1"/>
             <a:r>
-              <a:rPr lang="es-ES" smtClean="0"/>
+              <a:rPr lang="es-ES"/>
               <a:t>Segundo nivel</a:t>
             </a:r>
           </a:p>
           <a:p>
             <a:pPr lvl="2"/>
             <a:r>
-              <a:rPr lang="es-ES" smtClean="0"/>
+              <a:rPr lang="es-ES"/>
               <a:t>Tercer nivel</a:t>
             </a:r>
           </a:p>
           <a:p>
             <a:pPr lvl="3"/>
             <a:r>
-              <a:rPr lang="es-ES" smtClean="0"/>
+              <a:rPr lang="es-ES"/>
               <a:t>Cuarto nivel</a:t>
             </a:r>
           </a:p>
           <a:p>
             <a:pPr lvl="4"/>
             <a:r>
-              <a:rPr lang="es-ES" smtClean="0"/>
+              <a:rPr lang="es-ES"/>
               <a:t>Quinto nivel</a:t>
             </a:r>
             <a:endParaRPr lang="en-US" dirty="0"/>
@@ -3990,7 +3990,7 @@
           <a:p>
             <a:fld id="{1FA3F48C-C7C6-4055-9F49-3777875E72AE}" type="datetimeFigureOut">
               <a:rPr lang="en-US" dirty="0"/>
-              <a:t>6/6/2019</a:t>
+              <a:t>6/10/2020</a:t>
             </a:fld>
             <a:endParaRPr lang="en-US" dirty="0"/>
           </a:p>
@@ -4163,7 +4163,7 @@
           <a:lstStyle/>
           <a:p>
             <a:r>
-              <a:rPr lang="es-ES" smtClean="0"/>
+              <a:rPr lang="es-ES"/>
               <a:t>Haga clic para modificar el estilo de título del patrón</a:t>
             </a:r>
             <a:endParaRPr lang="en-US" dirty="0"/>
@@ -4192,35 +4192,35 @@
           <a:p>
             <a:pPr lvl="0"/>
             <a:r>
-              <a:rPr lang="es-ES" smtClean="0"/>
+              <a:rPr lang="es-ES"/>
               <a:t>Haga clic para modificar el estilo de texto del patrón</a:t>
             </a:r>
           </a:p>
           <a:p>
             <a:pPr lvl="1"/>
             <a:r>
-              <a:rPr lang="es-ES" smtClean="0"/>
+              <a:rPr lang="es-ES"/>
               <a:t>Segundo nivel</a:t>
             </a:r>
           </a:p>
           <a:p>
             <a:pPr lvl="2"/>
             <a:r>
-              <a:rPr lang="es-ES" smtClean="0"/>
+              <a:rPr lang="es-ES"/>
               <a:t>Tercer nivel</a:t>
             </a:r>
           </a:p>
           <a:p>
             <a:pPr lvl="3"/>
             <a:r>
-              <a:rPr lang="es-ES" smtClean="0"/>
+              <a:rPr lang="es-ES"/>
               <a:t>Cuarto nivel</a:t>
             </a:r>
           </a:p>
           <a:p>
             <a:pPr lvl="4"/>
             <a:r>
-              <a:rPr lang="es-ES" smtClean="0"/>
+              <a:rPr lang="es-ES"/>
               <a:t>Quinto nivel</a:t>
             </a:r>
             <a:endParaRPr lang="en-US" dirty="0"/>
@@ -4249,7 +4249,7 @@
           <a:p>
             <a:fld id="{6178E61D-D431-422C-9764-11DAFE33AB63}" type="datetimeFigureOut">
               <a:rPr lang="en-US" dirty="0"/>
-              <a:t>6/6/2019</a:t>
+              <a:t>6/10/2020</a:t>
             </a:fld>
             <a:endParaRPr lang="en-US" dirty="0"/>
           </a:p>
@@ -4492,7 +4492,7 @@
           <a:lstStyle/>
           <a:p>
             <a:r>
-              <a:rPr lang="es-ES" smtClean="0"/>
+              <a:rPr lang="es-ES"/>
               <a:t>Haga clic para modificar el estilo de título del patrón</a:t>
             </a:r>
             <a:endParaRPr lang="en-US" dirty="0"/>
@@ -4516,35 +4516,35 @@
           <a:p>
             <a:pPr lvl="0"/>
             <a:r>
-              <a:rPr lang="es-ES" smtClean="0"/>
+              <a:rPr lang="es-ES"/>
               <a:t>Haga clic para modificar el estilo de texto del patrón</a:t>
             </a:r>
           </a:p>
           <a:p>
             <a:pPr lvl="1"/>
             <a:r>
-              <a:rPr lang="es-ES" smtClean="0"/>
+              <a:rPr lang="es-ES"/>
               <a:t>Segundo nivel</a:t>
             </a:r>
           </a:p>
           <a:p>
             <a:pPr lvl="2"/>
             <a:r>
-              <a:rPr lang="es-ES" smtClean="0"/>
+              <a:rPr lang="es-ES"/>
               <a:t>Tercer nivel</a:t>
             </a:r>
           </a:p>
           <a:p>
             <a:pPr lvl="3"/>
             <a:r>
-              <a:rPr lang="es-ES" smtClean="0"/>
+              <a:rPr lang="es-ES"/>
               <a:t>Cuarto nivel</a:t>
             </a:r>
           </a:p>
           <a:p>
             <a:pPr lvl="4"/>
             <a:r>
-              <a:rPr lang="es-ES" smtClean="0"/>
+              <a:rPr lang="es-ES"/>
               <a:t>Quinto nivel</a:t>
             </a:r>
             <a:endParaRPr lang="en-US" dirty="0"/>
@@ -4568,7 +4568,7 @@
           <a:p>
             <a:fld id="{12DE42F4-6EEF-4EF7-8ED4-2208F0F89A08}" type="datetimeFigureOut">
               <a:rPr lang="en-US" dirty="0"/>
-              <a:t>6/6/2019</a:t>
+              <a:t>6/10/2020</a:t>
             </a:fld>
             <a:endParaRPr lang="en-US" dirty="0"/>
           </a:p>
@@ -4807,7 +4807,7 @@
           </a:lstStyle>
           <a:p>
             <a:r>
-              <a:rPr lang="es-ES" smtClean="0"/>
+              <a:rPr lang="es-ES"/>
               <a:t>Haga clic para modificar el estilo de título del patrón</a:t>
             </a:r>
             <a:endParaRPr lang="en-US" dirty="0"/>
@@ -4929,7 +4929,7 @@
           <a:p>
             <a:pPr lvl="0"/>
             <a:r>
-              <a:rPr lang="es-ES" smtClean="0"/>
+              <a:rPr lang="es-ES"/>
               <a:t>Haga clic para modificar el estilo de texto del patrón</a:t>
             </a:r>
           </a:p>
@@ -4952,7 +4952,7 @@
           <a:p>
             <a:fld id="{30578ACC-22D6-47C1-A373-4FD133E34F3C}" type="datetimeFigureOut">
               <a:rPr lang="en-US" dirty="0"/>
-              <a:t>6/6/2019</a:t>
+              <a:t>6/10/2020</a:t>
             </a:fld>
             <a:endParaRPr lang="en-US" dirty="0"/>
           </a:p>
@@ -5185,7 +5185,7 @@
           <a:lstStyle/>
           <a:p>
             <a:r>
-              <a:rPr lang="es-ES" smtClean="0"/>
+              <a:rPr lang="es-ES"/>
               <a:t>Haga clic para modificar el estilo de título del patrón</a:t>
             </a:r>
             <a:endParaRPr lang="en-US" dirty="0"/>
@@ -5214,35 +5214,35 @@
           <a:p>
             <a:pPr lvl="0"/>
             <a:r>
-              <a:rPr lang="es-ES" smtClean="0"/>
+              <a:rPr lang="es-ES"/>
               <a:t>Haga clic para modificar el estilo de texto del patrón</a:t>
             </a:r>
           </a:p>
           <a:p>
             <a:pPr lvl="1"/>
             <a:r>
-              <a:rPr lang="es-ES" smtClean="0"/>
+              <a:rPr lang="es-ES"/>
               <a:t>Segundo nivel</a:t>
             </a:r>
           </a:p>
           <a:p>
             <a:pPr lvl="2"/>
             <a:r>
-              <a:rPr lang="es-ES" smtClean="0"/>
+              <a:rPr lang="es-ES"/>
               <a:t>Tercer nivel</a:t>
             </a:r>
           </a:p>
           <a:p>
             <a:pPr lvl="3"/>
             <a:r>
-              <a:rPr lang="es-ES" smtClean="0"/>
+              <a:rPr lang="es-ES"/>
               <a:t>Cuarto nivel</a:t>
             </a:r>
           </a:p>
           <a:p>
             <a:pPr lvl="4"/>
             <a:r>
-              <a:rPr lang="es-ES" smtClean="0"/>
+              <a:rPr lang="es-ES"/>
               <a:t>Quinto nivel</a:t>
             </a:r>
             <a:endParaRPr lang="en-US" dirty="0"/>
@@ -5271,35 +5271,35 @@
           <a:p>
             <a:pPr lvl="0"/>
             <a:r>
-              <a:rPr lang="es-ES" smtClean="0"/>
+              <a:rPr lang="es-ES"/>
               <a:t>Haga clic para modificar el estilo de texto del patrón</a:t>
             </a:r>
           </a:p>
           <a:p>
             <a:pPr lvl="1"/>
             <a:r>
-              <a:rPr lang="es-ES" smtClean="0"/>
+              <a:rPr lang="es-ES"/>
               <a:t>Segundo nivel</a:t>
             </a:r>
           </a:p>
           <a:p>
             <a:pPr lvl="2"/>
             <a:r>
-              <a:rPr lang="es-ES" smtClean="0"/>
+              <a:rPr lang="es-ES"/>
               <a:t>Tercer nivel</a:t>
             </a:r>
           </a:p>
           <a:p>
             <a:pPr lvl="3"/>
             <a:r>
-              <a:rPr lang="es-ES" smtClean="0"/>
+              <a:rPr lang="es-ES"/>
               <a:t>Cuarto nivel</a:t>
             </a:r>
           </a:p>
           <a:p>
             <a:pPr lvl="4"/>
             <a:r>
-              <a:rPr lang="es-ES" smtClean="0"/>
+              <a:rPr lang="es-ES"/>
               <a:t>Quinto nivel</a:t>
             </a:r>
             <a:endParaRPr lang="en-US" dirty="0"/>
@@ -5323,7 +5323,7 @@
           <a:p>
             <a:fld id="{4E5A6C69-6797-4E8A-BF37-F2C3751466E9}" type="datetimeFigureOut">
               <a:rPr lang="en-US" dirty="0"/>
-              <a:t>6/6/2019</a:t>
+              <a:t>6/10/2020</a:t>
             </a:fld>
             <a:endParaRPr lang="en-US" dirty="0"/>
           </a:p>
@@ -5556,7 +5556,7 @@
           <a:lstStyle/>
           <a:p>
             <a:r>
-              <a:rPr lang="es-ES" smtClean="0"/>
+              <a:rPr lang="es-ES"/>
               <a:t>Haga clic para modificar el estilo de título del patrón</a:t>
             </a:r>
             <a:endParaRPr lang="en-US" dirty="0"/>
@@ -5622,7 +5622,7 @@
           <a:p>
             <a:pPr lvl="0"/>
             <a:r>
-              <a:rPr lang="es-ES" smtClean="0"/>
+              <a:rPr lang="es-ES"/>
               <a:t>Haga clic para modificar el estilo de texto del patrón</a:t>
             </a:r>
           </a:p>
@@ -5650,35 +5650,35 @@
           <a:p>
             <a:pPr lvl="0"/>
             <a:r>
-              <a:rPr lang="es-ES" smtClean="0"/>
+              <a:rPr lang="es-ES"/>
               <a:t>Haga clic para modificar el estilo de texto del patrón</a:t>
             </a:r>
           </a:p>
           <a:p>
             <a:pPr lvl="1"/>
             <a:r>
-              <a:rPr lang="es-ES" smtClean="0"/>
+              <a:rPr lang="es-ES"/>
               <a:t>Segundo nivel</a:t>
             </a:r>
           </a:p>
           <a:p>
             <a:pPr lvl="2"/>
             <a:r>
-              <a:rPr lang="es-ES" smtClean="0"/>
+              <a:rPr lang="es-ES"/>
               <a:t>Tercer nivel</a:t>
             </a:r>
           </a:p>
           <a:p>
             <a:pPr lvl="3"/>
             <a:r>
-              <a:rPr lang="es-ES" smtClean="0"/>
+              <a:rPr lang="es-ES"/>
               <a:t>Cuarto nivel</a:t>
             </a:r>
           </a:p>
           <a:p>
             <a:pPr lvl="4"/>
             <a:r>
-              <a:rPr lang="es-ES" smtClean="0"/>
+              <a:rPr lang="es-ES"/>
               <a:t>Quinto nivel</a:t>
             </a:r>
             <a:endParaRPr lang="en-US" dirty="0"/>
@@ -5744,7 +5744,7 @@
           <a:p>
             <a:pPr lvl="0"/>
             <a:r>
-              <a:rPr lang="es-ES" smtClean="0"/>
+              <a:rPr lang="es-ES"/>
               <a:t>Haga clic para modificar el estilo de texto del patrón</a:t>
             </a:r>
           </a:p>
@@ -5772,35 +5772,35 @@
           <a:p>
             <a:pPr lvl="0"/>
             <a:r>
-              <a:rPr lang="es-ES" smtClean="0"/>
+              <a:rPr lang="es-ES"/>
               <a:t>Haga clic para modificar el estilo de texto del patrón</a:t>
             </a:r>
           </a:p>
           <a:p>
             <a:pPr lvl="1"/>
             <a:r>
-              <a:rPr lang="es-ES" smtClean="0"/>
+              <a:rPr lang="es-ES"/>
               <a:t>Segundo nivel</a:t>
             </a:r>
           </a:p>
           <a:p>
             <a:pPr lvl="2"/>
             <a:r>
-              <a:rPr lang="es-ES" smtClean="0"/>
+              <a:rPr lang="es-ES"/>
               <a:t>Tercer nivel</a:t>
             </a:r>
           </a:p>
           <a:p>
             <a:pPr lvl="3"/>
             <a:r>
-              <a:rPr lang="es-ES" smtClean="0"/>
+              <a:rPr lang="es-ES"/>
               <a:t>Cuarto nivel</a:t>
             </a:r>
           </a:p>
           <a:p>
             <a:pPr lvl="4"/>
             <a:r>
-              <a:rPr lang="es-ES" smtClean="0"/>
+              <a:rPr lang="es-ES"/>
               <a:t>Quinto nivel</a:t>
             </a:r>
             <a:endParaRPr lang="en-US" dirty="0"/>
@@ -5824,7 +5824,7 @@
           <a:p>
             <a:fld id="{D82014A1-A632-4878-A0D3-F52BA7563730}" type="datetimeFigureOut">
               <a:rPr lang="en-US" dirty="0"/>
-              <a:t>6/6/2019</a:t>
+              <a:t>6/10/2020</a:t>
             </a:fld>
             <a:endParaRPr lang="en-US" dirty="0"/>
           </a:p>
@@ -6052,7 +6052,7 @@
           <a:lstStyle/>
           <a:p>
             <a:r>
-              <a:rPr lang="es-ES" smtClean="0"/>
+              <a:rPr lang="es-ES"/>
               <a:t>Haga clic para modificar el estilo de título del patrón</a:t>
             </a:r>
             <a:endParaRPr lang="en-US" dirty="0"/>
@@ -6076,7 +6076,7 @@
           <a:p>
             <a:fld id="{CE99F462-093F-4566-844B-4C71F2739DA5}" type="datetimeFigureOut">
               <a:rPr lang="en-US" dirty="0"/>
-              <a:t>6/6/2019</a:t>
+              <a:t>6/10/2020</a:t>
             </a:fld>
             <a:endParaRPr lang="en-US" dirty="0"/>
           </a:p>
@@ -6234,7 +6234,7 @@
           <a:p>
             <a:fld id="{3D24A7AC-904D-4781-85BA-7D10C17ED021}" type="datetimeFigureOut">
               <a:rPr lang="en-US" dirty="0"/>
-              <a:t>6/6/2019</a:t>
+              <a:t>6/10/2020</a:t>
             </a:fld>
             <a:endParaRPr lang="en-US" dirty="0"/>
           </a:p>
@@ -6473,7 +6473,7 @@
           </a:lstStyle>
           <a:p>
             <a:r>
-              <a:rPr lang="es-ES" smtClean="0"/>
+              <a:rPr lang="es-ES"/>
               <a:t>Haga clic para modificar el estilo de título del patrón</a:t>
             </a:r>
             <a:endParaRPr lang="en-US" dirty="0"/>
@@ -6502,35 +6502,35 @@
           <a:p>
             <a:pPr lvl="0"/>
             <a:r>
-              <a:rPr lang="es-ES" smtClean="0"/>
+              <a:rPr lang="es-ES"/>
               <a:t>Haga clic para modificar el estilo de texto del patrón</a:t>
             </a:r>
           </a:p>
           <a:p>
             <a:pPr lvl="1"/>
             <a:r>
-              <a:rPr lang="es-ES" smtClean="0"/>
+              <a:rPr lang="es-ES"/>
               <a:t>Segundo nivel</a:t>
             </a:r>
           </a:p>
           <a:p>
             <a:pPr lvl="2"/>
             <a:r>
-              <a:rPr lang="es-ES" smtClean="0"/>
+              <a:rPr lang="es-ES"/>
               <a:t>Tercer nivel</a:t>
             </a:r>
           </a:p>
           <a:p>
             <a:pPr lvl="3"/>
             <a:r>
-              <a:rPr lang="es-ES" smtClean="0"/>
+              <a:rPr lang="es-ES"/>
               <a:t>Cuarto nivel</a:t>
             </a:r>
           </a:p>
           <a:p>
             <a:pPr lvl="4"/>
             <a:r>
-              <a:rPr lang="es-ES" smtClean="0"/>
+              <a:rPr lang="es-ES"/>
               <a:t>Quinto nivel</a:t>
             </a:r>
             <a:endParaRPr lang="en-US" dirty="0"/>
@@ -6596,7 +6596,7 @@
           <a:p>
             <a:pPr lvl="0"/>
             <a:r>
-              <a:rPr lang="es-ES" smtClean="0"/>
+              <a:rPr lang="es-ES"/>
               <a:t>Haga clic para modificar el estilo de texto del patrón</a:t>
             </a:r>
           </a:p>
@@ -6619,7 +6619,7 @@
           <a:p>
             <a:fld id="{E331444B-B92B-4E27-8C94-BB93EAF5CB18}" type="datetimeFigureOut">
               <a:rPr lang="en-US" dirty="0"/>
-              <a:t>6/6/2019</a:t>
+              <a:t>6/10/2020</a:t>
             </a:fld>
             <a:endParaRPr lang="en-US" dirty="0"/>
           </a:p>
@@ -6858,7 +6858,7 @@
           </a:lstStyle>
           <a:p>
             <a:r>
-              <a:rPr lang="es-ES" smtClean="0"/>
+              <a:rPr lang="es-ES"/>
               <a:t>Haga clic para modificar el estilo de título del patrón</a:t>
             </a:r>
             <a:endParaRPr lang="en-US" dirty="0"/>
@@ -6934,7 +6934,7 @@
           </a:lstStyle>
           <a:p>
             <a:r>
-              <a:rPr lang="es-ES" smtClean="0"/>
+              <a:rPr lang="es-ES"/>
               <a:t>Haga clic en el icono para agregar una imagen</a:t>
             </a:r>
             <a:endParaRPr lang="en-US" dirty="0"/>
@@ -7000,7 +7000,7 @@
           <a:p>
             <a:pPr lvl="0"/>
             <a:r>
-              <a:rPr lang="es-ES" smtClean="0"/>
+              <a:rPr lang="es-ES"/>
               <a:t>Haga clic para modificar el estilo de texto del patrón</a:t>
             </a:r>
           </a:p>
@@ -7023,7 +7023,7 @@
           <a:p>
             <a:fld id="{363EFA5E-FA76-400D-B3DC-F0BA90E6D107}" type="datetimeFigureOut">
               <a:rPr lang="en-US" dirty="0"/>
-              <a:t>6/6/2019</a:t>
+              <a:t>6/10/2020</a:t>
             </a:fld>
             <a:endParaRPr lang="en-US" dirty="0"/>
           </a:p>
@@ -7158,7 +7158,7 @@
           <a:lstStyle/>
           <a:p>
             <a:r>
-              <a:rPr lang="es-ES" smtClean="0"/>
+              <a:rPr lang="es-ES"/>
               <a:t>Haga clic para modificar el estilo de título del patrón</a:t>
             </a:r>
             <a:endParaRPr lang="en-US" dirty="0"/>
@@ -7192,35 +7192,35 @@
           <a:p>
             <a:pPr lvl="0"/>
             <a:r>
-              <a:rPr lang="es-ES" smtClean="0"/>
+              <a:rPr lang="es-ES"/>
               <a:t>Haga clic para modificar el estilo de texto del patrón</a:t>
             </a:r>
           </a:p>
           <a:p>
             <a:pPr lvl="1"/>
             <a:r>
-              <a:rPr lang="es-ES" smtClean="0"/>
+              <a:rPr lang="es-ES"/>
               <a:t>Segundo nivel</a:t>
             </a:r>
           </a:p>
           <a:p>
             <a:pPr lvl="2"/>
             <a:r>
-              <a:rPr lang="es-ES" smtClean="0"/>
+              <a:rPr lang="es-ES"/>
               <a:t>Tercer nivel</a:t>
             </a:r>
           </a:p>
           <a:p>
             <a:pPr lvl="3"/>
             <a:r>
-              <a:rPr lang="es-ES" smtClean="0"/>
+              <a:rPr lang="es-ES"/>
               <a:t>Cuarto nivel</a:t>
             </a:r>
           </a:p>
           <a:p>
             <a:pPr lvl="4"/>
             <a:r>
-              <a:rPr lang="es-ES" smtClean="0"/>
+              <a:rPr lang="es-ES"/>
               <a:t>Quinto nivel</a:t>
             </a:r>
             <a:endParaRPr lang="en-US" dirty="0"/>
@@ -7262,7 +7262,7 @@
           <a:p>
             <a:fld id="{9D6E9DEC-419B-4CC5-A080-3B06BD5A8291}" type="datetimeFigureOut">
               <a:rPr lang="en-US" dirty="0"/>
-              <a:t>6/6/2019</a:t>
+              <a:t>6/10/2020</a:t>
             </a:fld>
             <a:endParaRPr lang="en-US" dirty="0"/>
           </a:p>
@@ -7686,7 +7686,7 @@
           <a:lstStyle/>
           <a:p>
             <a:r>
-              <a:rPr lang="es-AR" dirty="0" err="1" smtClean="0"/>
+              <a:rPr lang="es-AR" dirty="0" err="1"/>
               <a:t>Threads</a:t>
             </a:r>
             <a:endParaRPr lang="es-AR" dirty="0"/>
@@ -7827,7 +7827,7 @@
               <a:buNone/>
             </a:pPr>
             <a:r>
-              <a:rPr lang="es-AR" dirty="0" smtClean="0">
+              <a:rPr lang="es-AR" dirty="0">
                 <a:solidFill>
                   <a:prstClr val="white"/>
                 </a:solidFill>
@@ -7835,12 +7835,6 @@
               </a:rPr>
               <a:t>22</a:t>
             </a:r>
-            <a:endParaRPr lang="es-AR" dirty="0">
-              <a:solidFill>
-                <a:prstClr val="white"/>
-              </a:solidFill>
-              <a:latin typeface="Trebuchet MS" panose="020B0603020202020204"/>
-            </a:endParaRPr>
           </a:p>
         </p:txBody>
       </p:sp>
@@ -7854,13 +7848,6 @@
   <p:clrMapOvr>
     <a:masterClrMapping/>
   </p:clrMapOvr>
-  <p:timing>
-    <p:tnLst>
-      <p:par>
-        <p:cTn id="1" dur="indefinite" restart="never" nodeType="tmRoot"/>
-      </p:par>
-    </p:tnLst>
-  </p:timing>
 </p:sld>
 </file>
 
@@ -7897,11 +7884,11 @@
           <a:lstStyle/>
           <a:p>
             <a:r>
-              <a:rPr lang="es-AR" dirty="0" smtClean="0"/>
+              <a:rPr lang="es-AR" dirty="0"/>
               <a:t>Ejemplo con controles de </a:t>
             </a:r>
             <a:r>
-              <a:rPr lang="es-AR" dirty="0" err="1" smtClean="0"/>
+              <a:rPr lang="es-AR" dirty="0" err="1"/>
               <a:t>Form</a:t>
             </a:r>
             <a:endParaRPr lang="es-AR" dirty="0"/>
@@ -8109,7 +8096,7 @@
               <a:buNone/>
             </a:pPr>
             <a:r>
-              <a:rPr lang="es-AR" sz="2000" dirty="0" err="1" smtClean="0">
+              <a:rPr lang="es-AR" sz="2000" dirty="0" err="1">
                 <a:solidFill>
                   <a:srgbClr val="0000FF"/>
                 </a:solidFill>
@@ -8118,7 +8105,7 @@
               <a:t>delegate</a:t>
             </a:r>
             <a:r>
-              <a:rPr lang="es-AR" sz="2000" dirty="0" smtClean="0">
+              <a:rPr lang="es-AR" sz="2000" dirty="0">
                 <a:solidFill>
                   <a:srgbClr val="000000"/>
                 </a:solidFill>
@@ -8127,7 +8114,7 @@
               <a:t> </a:t>
             </a:r>
             <a:r>
-              <a:rPr lang="es-AR" sz="2000" dirty="0" err="1" smtClean="0">
+              <a:rPr lang="es-AR" sz="2000" dirty="0" err="1">
                 <a:solidFill>
                   <a:srgbClr val="0000FF"/>
                 </a:solidFill>
@@ -8136,7 +8123,7 @@
               <a:t>void</a:t>
             </a:r>
             <a:r>
-              <a:rPr lang="es-AR" sz="2000" dirty="0" smtClean="0">
+              <a:rPr lang="es-AR" sz="2000" dirty="0">
                 <a:solidFill>
                   <a:srgbClr val="000000"/>
                 </a:solidFill>
@@ -8145,7 +8132,7 @@
               <a:t> </a:t>
             </a:r>
             <a:r>
-              <a:rPr lang="es-AR" sz="2000" dirty="0" err="1" smtClean="0">
+              <a:rPr lang="es-AR" sz="2000" dirty="0" err="1">
                 <a:solidFill>
                   <a:srgbClr val="2B91AF"/>
                 </a:solidFill>
@@ -8154,7 +8141,7 @@
               <a:t>Callback</a:t>
             </a:r>
             <a:r>
-              <a:rPr lang="es-AR" sz="2000" dirty="0" smtClean="0">
+              <a:rPr lang="es-AR" sz="2000" dirty="0">
                 <a:solidFill>
                   <a:srgbClr val="000000"/>
                 </a:solidFill>
@@ -8168,7 +8155,7 @@
               <a:buNone/>
             </a:pPr>
             <a:r>
-              <a:rPr lang="es-AR" sz="2000" dirty="0" err="1" smtClean="0">
+              <a:rPr lang="es-AR" sz="2000" dirty="0" err="1">
                 <a:solidFill>
                   <a:srgbClr val="0000FF"/>
                 </a:solidFill>
@@ -8177,7 +8164,7 @@
               <a:t>public</a:t>
             </a:r>
             <a:r>
-              <a:rPr lang="es-AR" sz="2000" dirty="0" smtClean="0">
+              <a:rPr lang="es-AR" sz="2000" dirty="0">
                 <a:solidFill>
                   <a:srgbClr val="000000"/>
                 </a:solidFill>
@@ -8201,43 +8188,188 @@
                 </a:solidFill>
                 <a:latin typeface="Consolas" panose="020B0609020204030204" pitchFamily="49" charset="0"/>
               </a:rPr>
+              <a:t> OtroMetodo(</a:t>
+            </a:r>
+            <a:r>
+              <a:rPr lang="es-AR" sz="2000" dirty="0" err="1">
+                <a:solidFill>
+                  <a:srgbClr val="0000FF"/>
+                </a:solidFill>
+                <a:latin typeface="Consolas" panose="020B0609020204030204" pitchFamily="49" charset="0"/>
+              </a:rPr>
+              <a:t>string</a:t>
+            </a:r>
+            <a:r>
+              <a:rPr lang="es-AR" sz="2000" dirty="0">
+                <a:solidFill>
+                  <a:srgbClr val="0000FF"/>
+                </a:solidFill>
+                <a:latin typeface="Consolas" panose="020B0609020204030204" pitchFamily="49" charset="0"/>
+              </a:rPr>
               <a:t> </a:t>
             </a:r>
             <a:r>
-              <a:rPr lang="es-AR" sz="2000" dirty="0" smtClean="0">
+              <a:rPr lang="es-AR" sz="2000" dirty="0">
                 <a:solidFill>
                   <a:srgbClr val="000000"/>
                 </a:solidFill>
                 <a:latin typeface="Consolas" panose="020B0609020204030204" pitchFamily="49" charset="0"/>
               </a:rPr>
-              <a:t>OtroMetodo(</a:t>
-            </a:r>
-            <a:r>
-              <a:rPr lang="es-AR" sz="2000" dirty="0" err="1" smtClean="0">
+              <a:t>texto) {</a:t>
+            </a:r>
+          </a:p>
+          <a:p>
+            <a:pPr marL="0" indent="0">
+              <a:buNone/>
+            </a:pPr>
+            <a:r>
+              <a:rPr lang="es-AR" sz="2000" dirty="0">
                 <a:solidFill>
                   <a:srgbClr val="0000FF"/>
                 </a:solidFill>
                 <a:latin typeface="Consolas" panose="020B0609020204030204" pitchFamily="49" charset="0"/>
               </a:rPr>
-              <a:t>string</a:t>
-            </a:r>
-            <a:r>
-              <a:rPr lang="es-AR" sz="2000" dirty="0" smtClean="0">
+              <a:t>    </a:t>
+            </a:r>
+            <a:r>
+              <a:rPr lang="es-AR" sz="2000" dirty="0" err="1">
                 <a:solidFill>
                   <a:srgbClr val="0000FF"/>
                 </a:solidFill>
                 <a:latin typeface="Consolas" panose="020B0609020204030204" pitchFamily="49" charset="0"/>
               </a:rPr>
+              <a:t>if</a:t>
+            </a:r>
+            <a:r>
+              <a:rPr lang="es-AR" sz="2000" dirty="0">
+                <a:solidFill>
+                  <a:srgbClr val="000000"/>
+                </a:solidFill>
+                <a:latin typeface="Consolas" panose="020B0609020204030204" pitchFamily="49" charset="0"/>
+              </a:rPr>
+              <a:t> (</a:t>
+            </a:r>
+            <a:r>
+              <a:rPr lang="es-AR" sz="2000" dirty="0" err="1">
+                <a:solidFill>
+                  <a:srgbClr val="0000FF"/>
+                </a:solidFill>
+                <a:latin typeface="Consolas" panose="020B0609020204030204" pitchFamily="49" charset="0"/>
+              </a:rPr>
+              <a:t>this</a:t>
+            </a:r>
+            <a:r>
+              <a:rPr lang="es-AR" sz="2000" dirty="0" err="1">
+                <a:solidFill>
+                  <a:srgbClr val="000000"/>
+                </a:solidFill>
+                <a:latin typeface="Consolas" panose="020B0609020204030204" pitchFamily="49" charset="0"/>
+              </a:rPr>
+              <a:t>.textBox.InvokeRequired</a:t>
+            </a:r>
+            <a:r>
+              <a:rPr lang="es-AR" sz="2000" dirty="0">
+                <a:solidFill>
+                  <a:srgbClr val="000000"/>
+                </a:solidFill>
+                <a:latin typeface="Consolas" panose="020B0609020204030204" pitchFamily="49" charset="0"/>
+              </a:rPr>
+              <a:t>) {</a:t>
+            </a:r>
+          </a:p>
+          <a:p>
+            <a:pPr marL="0" indent="0">
+              <a:buNone/>
+            </a:pPr>
+            <a:r>
+              <a:rPr lang="es-AR" sz="2000" dirty="0">
+                <a:solidFill>
+                  <a:srgbClr val="000000"/>
+                </a:solidFill>
+                <a:latin typeface="Consolas" panose="020B0609020204030204" pitchFamily="49" charset="0"/>
+              </a:rPr>
+              <a:t>        </a:t>
+            </a:r>
+            <a:r>
+              <a:rPr lang="es-AR" sz="2000" dirty="0" err="1">
+                <a:solidFill>
+                  <a:srgbClr val="000000"/>
+                </a:solidFill>
+                <a:latin typeface="Consolas" panose="020B0609020204030204" pitchFamily="49" charset="0"/>
+              </a:rPr>
+              <a:t>Callback</a:t>
+            </a:r>
+            <a:r>
+              <a:rPr lang="es-AR" sz="2000" dirty="0">
+                <a:solidFill>
+                  <a:srgbClr val="000000"/>
+                </a:solidFill>
+                <a:latin typeface="Consolas" panose="020B0609020204030204" pitchFamily="49" charset="0"/>
+              </a:rPr>
+              <a:t> d = </a:t>
+            </a:r>
+            <a:r>
+              <a:rPr lang="es-AR" sz="2000" dirty="0">
+                <a:solidFill>
+                  <a:srgbClr val="0000FF"/>
+                </a:solidFill>
+                <a:latin typeface="Consolas" panose="020B0609020204030204" pitchFamily="49" charset="0"/>
+              </a:rPr>
+              <a:t>new</a:t>
+            </a:r>
+            <a:r>
+              <a:rPr lang="es-AR" sz="2000" dirty="0">
+                <a:solidFill>
+                  <a:srgbClr val="000000"/>
+                </a:solidFill>
+                <a:latin typeface="Consolas" panose="020B0609020204030204" pitchFamily="49" charset="0"/>
+              </a:rPr>
               <a:t> </a:t>
             </a:r>
             <a:r>
-              <a:rPr lang="es-AR" sz="2000" dirty="0" smtClean="0">
+              <a:rPr lang="es-AR" sz="2000" dirty="0" err="1">
                 <a:solidFill>
                   <a:srgbClr val="000000"/>
                 </a:solidFill>
                 <a:latin typeface="Consolas" panose="020B0609020204030204" pitchFamily="49" charset="0"/>
               </a:rPr>
-              <a:t>texto) {</a:t>
+              <a:t>Callback</a:t>
+            </a:r>
+            <a:r>
+              <a:rPr lang="es-AR" sz="2000" dirty="0">
+                <a:solidFill>
+                  <a:srgbClr val="000000"/>
+                </a:solidFill>
+                <a:latin typeface="Consolas" panose="020B0609020204030204" pitchFamily="49" charset="0"/>
+              </a:rPr>
+              <a:t>(</a:t>
+            </a:r>
+            <a:r>
+              <a:rPr lang="es-AR" sz="2000" dirty="0" err="1">
+                <a:solidFill>
+                  <a:srgbClr val="0000FF"/>
+                </a:solidFill>
+                <a:latin typeface="Consolas" panose="020B0609020204030204" pitchFamily="49" charset="0"/>
+              </a:rPr>
+              <a:t>this</a:t>
+            </a:r>
+            <a:r>
+              <a:rPr lang="es-AR" sz="2000" dirty="0" err="1">
+                <a:solidFill>
+                  <a:srgbClr val="000000"/>
+                </a:solidFill>
+                <a:latin typeface="Consolas" panose="020B0609020204030204" pitchFamily="49" charset="0"/>
+              </a:rPr>
+              <a:t>.OtroMetodo</a:t>
+            </a:r>
+            <a:r>
+              <a:rPr lang="es-AR" sz="2000" dirty="0">
+                <a:solidFill>
+                  <a:srgbClr val="000000"/>
+                </a:solidFill>
+                <a:latin typeface="Consolas" panose="020B0609020204030204" pitchFamily="49" charset="0"/>
+              </a:rPr>
+              <a:t>);</a:t>
             </a:r>
           </a:p>
           <a:p>
@@ -8245,25 +8377,61 @@
               <a:buNone/>
             </a:pPr>
             <a:r>
-              <a:rPr lang="es-AR" sz="2000" dirty="0" smtClean="0">
+              <a:rPr lang="es-AR" sz="2000" dirty="0">
+                <a:solidFill>
+                  <a:srgbClr val="000000"/>
+                </a:solidFill>
+                <a:latin typeface="Consolas" panose="020B0609020204030204" pitchFamily="49" charset="0"/>
+              </a:rPr>
+              <a:t>        </a:t>
+            </a:r>
+            <a:r>
+              <a:rPr lang="es-AR" sz="2000" dirty="0" err="1">
                 <a:solidFill>
                   <a:srgbClr val="0000FF"/>
                 </a:solidFill>
                 <a:latin typeface="Consolas" panose="020B0609020204030204" pitchFamily="49" charset="0"/>
               </a:rPr>
-              <a:t>    </a:t>
-            </a:r>
-            <a:r>
-              <a:rPr lang="es-AR" sz="2000" dirty="0" err="1" smtClean="0">
+              <a:t>object</a:t>
+            </a:r>
+            <a:r>
+              <a:rPr lang="es-AR" sz="2000" dirty="0">
+                <a:solidFill>
+                  <a:srgbClr val="000000"/>
+                </a:solidFill>
+                <a:latin typeface="Consolas" panose="020B0609020204030204" pitchFamily="49" charset="0"/>
+              </a:rPr>
+              <a:t>[] </a:t>
+            </a:r>
+            <a:r>
+              <a:rPr lang="es-AR" sz="2000" dirty="0" err="1">
+                <a:solidFill>
+                  <a:srgbClr val="000000"/>
+                </a:solidFill>
+                <a:latin typeface="Consolas" panose="020B0609020204030204" pitchFamily="49" charset="0"/>
+              </a:rPr>
+              <a:t>objs</a:t>
+            </a:r>
+            <a:r>
+              <a:rPr lang="es-AR" sz="2000" dirty="0">
+                <a:solidFill>
+                  <a:srgbClr val="000000"/>
+                </a:solidFill>
+                <a:latin typeface="Consolas" panose="020B0609020204030204" pitchFamily="49" charset="0"/>
+              </a:rPr>
+              <a:t> = </a:t>
+            </a:r>
+            <a:r>
+              <a:rPr lang="es-AR" sz="2000" dirty="0">
                 <a:solidFill>
                   <a:srgbClr val="0000FF"/>
                 </a:solidFill>
                 <a:latin typeface="Consolas" panose="020B0609020204030204" pitchFamily="49" charset="0"/>
               </a:rPr>
-              <a:t>if</a:t>
-            </a:r>
-            <a:r>
-              <a:rPr lang="es-AR" sz="2000" dirty="0" smtClean="0">
+              <a:t>new</a:t>
+            </a:r>
+            <a:r>
+              <a:rPr lang="es-AR" sz="2000" dirty="0">
                 <a:solidFill>
                   <a:srgbClr val="000000"/>
                 </a:solidFill>
@@ -8272,16 +8440,39 @@
               <a:t> </a:t>
             </a:r>
             <a:r>
+              <a:rPr lang="es-AR" sz="2000" dirty="0" err="1">
+                <a:solidFill>
+                  <a:srgbClr val="0000FF"/>
+                </a:solidFill>
+                <a:latin typeface="Consolas" panose="020B0609020204030204" pitchFamily="49" charset="0"/>
+              </a:rPr>
+              <a:t>object</a:t>
+            </a:r>
+            <a:r>
               <a:rPr lang="es-AR" sz="2000" dirty="0">
                 <a:solidFill>
                   <a:srgbClr val="000000"/>
                 </a:solidFill>
                 <a:latin typeface="Consolas" panose="020B0609020204030204" pitchFamily="49" charset="0"/>
               </a:rPr>
-              <a:t>(</a:t>
-            </a:r>
-            <a:r>
-              <a:rPr lang="es-AR" sz="2000" dirty="0" err="1" smtClean="0">
+              <a:t>[] { texto };</a:t>
+            </a:r>
+          </a:p>
+          <a:p>
+            <a:pPr marL="0" indent="0">
+              <a:buNone/>
+            </a:pPr>
+            <a:r>
+              <a:rPr lang="es-AR" sz="2000" dirty="0">
+                <a:solidFill>
+                  <a:srgbClr val="000000"/>
+                </a:solidFill>
+                <a:latin typeface="Consolas" panose="020B0609020204030204" pitchFamily="49" charset="0"/>
+              </a:rPr>
+              <a:t>        </a:t>
+            </a:r>
+            <a:r>
+              <a:rPr lang="es-AR" sz="2000" dirty="0" err="1">
                 <a:solidFill>
                   <a:srgbClr val="0000FF"/>
                 </a:solidFill>
@@ -8290,22 +8481,40 @@
               <a:t>this</a:t>
             </a:r>
             <a:r>
-              <a:rPr lang="es-AR" sz="2000" dirty="0" err="1" smtClean="0">
+              <a:rPr lang="es-AR" sz="2000" dirty="0" err="1">
                 <a:solidFill>
                   <a:srgbClr val="000000"/>
                 </a:solidFill>
                 <a:latin typeface="Consolas" panose="020B0609020204030204" pitchFamily="49" charset="0"/>
               </a:rPr>
-              <a:t>.textBox.InvokeRequired</a:t>
-            </a:r>
-            <a:r>
-              <a:rPr lang="es-AR" sz="2000" dirty="0" smtClean="0">
+              <a:t>.Invoke</a:t>
+            </a:r>
+            <a:r>
+              <a:rPr lang="es-AR" sz="2000" dirty="0">
                 <a:solidFill>
                   <a:srgbClr val="000000"/>
                 </a:solidFill>
                 <a:latin typeface="Consolas" panose="020B0609020204030204" pitchFamily="49" charset="0"/>
               </a:rPr>
-              <a:t>) {</a:t>
+              <a:t>(d, </a:t>
+            </a:r>
+            <a:r>
+              <a:rPr lang="es-AR" sz="2000" dirty="0" err="1">
+                <a:solidFill>
+                  <a:srgbClr val="000000"/>
+                </a:solidFill>
+                <a:latin typeface="Consolas" panose="020B0609020204030204" pitchFamily="49" charset="0"/>
+              </a:rPr>
+              <a:t>objs</a:t>
+            </a:r>
+            <a:r>
+              <a:rPr lang="es-AR" sz="2000" dirty="0">
+                <a:solidFill>
+                  <a:srgbClr val="000000"/>
+                </a:solidFill>
+                <a:latin typeface="Consolas" panose="020B0609020204030204" pitchFamily="49" charset="0"/>
+              </a:rPr>
+              <a:t>);</a:t>
             </a:r>
           </a:p>
           <a:p>
@@ -8319,414 +8528,96 @@
                 </a:solidFill>
                 <a:latin typeface="Consolas" panose="020B0609020204030204" pitchFamily="49" charset="0"/>
               </a:rPr>
-              <a:t> </a:t>
-            </a:r>
-            <a:r>
-              <a:rPr lang="es-AR" sz="2000" dirty="0" smtClean="0">
+              <a:t>    } </a:t>
+            </a:r>
+            <a:r>
+              <a:rPr lang="es-AR" sz="2000" dirty="0" err="1">
+                <a:solidFill>
+                  <a:srgbClr val="0000FF"/>
+                </a:solidFill>
+                <a:latin typeface="Consolas" panose="020B0609020204030204" pitchFamily="49" charset="0"/>
+              </a:rPr>
+              <a:t>else</a:t>
+            </a:r>
+            <a:r>
+              <a:rPr lang="es-AR" sz="2000" dirty="0">
                 <a:solidFill>
                   <a:srgbClr val="000000"/>
                 </a:solidFill>
                 <a:latin typeface="Consolas" panose="020B0609020204030204" pitchFamily="49" charset="0"/>
               </a:rPr>
-              <a:t>       </a:t>
-            </a:r>
-            <a:r>
-              <a:rPr lang="es-AR" sz="2000" dirty="0" err="1" smtClean="0">
+              <a:t> {</a:t>
+            </a:r>
+          </a:p>
+          <a:p>
+            <a:pPr marL="0" indent="0">
+              <a:buNone/>
+            </a:pPr>
+            <a:r>
+              <a:rPr lang="es-AR" sz="2000" dirty="0">
                 <a:solidFill>
                   <a:srgbClr val="000000"/>
                 </a:solidFill>
                 <a:latin typeface="Consolas" panose="020B0609020204030204" pitchFamily="49" charset="0"/>
               </a:rPr>
-              <a:t>Callback</a:t>
-            </a:r>
-            <a:r>
-              <a:rPr lang="es-AR" sz="2000" dirty="0" smtClean="0">
+              <a:t>        </a:t>
+            </a:r>
+            <a:r>
+              <a:rPr lang="es-AR" sz="2000" dirty="0" err="1">
+                <a:solidFill>
+                  <a:srgbClr val="0000FF"/>
+                </a:solidFill>
+                <a:latin typeface="Consolas" panose="020B0609020204030204" pitchFamily="49" charset="0"/>
+              </a:rPr>
+              <a:t>this</a:t>
+            </a:r>
+            <a:r>
+              <a:rPr lang="es-AR" sz="2000" dirty="0" err="1">
                 <a:solidFill>
                   <a:srgbClr val="000000"/>
                 </a:solidFill>
                 <a:latin typeface="Consolas" panose="020B0609020204030204" pitchFamily="49" charset="0"/>
               </a:rPr>
-              <a:t> d = </a:t>
-            </a:r>
-            <a:r>
-              <a:rPr lang="es-AR" sz="2000" dirty="0" smtClean="0">
-                <a:solidFill>
-                  <a:srgbClr val="0000FF"/>
-                </a:solidFill>
-                <a:latin typeface="Consolas" panose="020B0609020204030204" pitchFamily="49" charset="0"/>
-              </a:rPr>
-              <a:t>new</a:t>
-            </a:r>
-            <a:r>
-              <a:rPr lang="es-AR" sz="2000" dirty="0" smtClean="0">
+              <a:t>.textBox.Text</a:t>
+            </a:r>
+            <a:r>
+              <a:rPr lang="es-AR" sz="2000" dirty="0">
                 <a:solidFill>
                   <a:srgbClr val="000000"/>
                 </a:solidFill>
                 <a:latin typeface="Consolas" panose="020B0609020204030204" pitchFamily="49" charset="0"/>
               </a:rPr>
-              <a:t> </a:t>
-            </a:r>
-            <a:r>
-              <a:rPr lang="es-AR" sz="2000" dirty="0" err="1" smtClean="0">
+              <a:t> = texto;</a:t>
+            </a:r>
+          </a:p>
+          <a:p>
+            <a:pPr marL="0" indent="0">
+              <a:buNone/>
+            </a:pPr>
+            <a:r>
+              <a:rPr lang="es-AR" sz="2000" dirty="0">
                 <a:solidFill>
                   <a:srgbClr val="000000"/>
                 </a:solidFill>
                 <a:latin typeface="Consolas" panose="020B0609020204030204" pitchFamily="49" charset="0"/>
               </a:rPr>
-              <a:t>Callback</a:t>
-            </a:r>
-            <a:r>
-              <a:rPr lang="es-AR" sz="2000" dirty="0" smtClean="0">
+              <a:t>    }</a:t>
+            </a:r>
+          </a:p>
+          <a:p>
+            <a:pPr marL="0" indent="0">
+              <a:buNone/>
+            </a:pPr>
+            <a:r>
+              <a:rPr lang="es-AR" sz="2000" dirty="0">
                 <a:solidFill>
                   <a:srgbClr val="000000"/>
                 </a:solidFill>
                 <a:latin typeface="Consolas" panose="020B0609020204030204" pitchFamily="49" charset="0"/>
               </a:rPr>
-              <a:t>(</a:t>
-            </a:r>
-            <a:r>
-              <a:rPr lang="es-AR" sz="2000" dirty="0" err="1" smtClean="0">
-                <a:solidFill>
-                  <a:srgbClr val="0000FF"/>
-                </a:solidFill>
-                <a:latin typeface="Consolas" panose="020B0609020204030204" pitchFamily="49" charset="0"/>
-              </a:rPr>
-              <a:t>this</a:t>
-            </a:r>
-            <a:r>
-              <a:rPr lang="es-AR" sz="2000" dirty="0" err="1" smtClean="0">
-                <a:solidFill>
-                  <a:srgbClr val="000000"/>
-                </a:solidFill>
-                <a:latin typeface="Consolas" panose="020B0609020204030204" pitchFamily="49" charset="0"/>
-              </a:rPr>
-              <a:t>.OtroMetodo</a:t>
-            </a:r>
-            <a:r>
-              <a:rPr lang="es-AR" sz="2000" dirty="0" smtClean="0">
-                <a:solidFill>
-                  <a:srgbClr val="000000"/>
-                </a:solidFill>
-                <a:latin typeface="Consolas" panose="020B0609020204030204" pitchFamily="49" charset="0"/>
-              </a:rPr>
-              <a:t>);</a:t>
-            </a:r>
-          </a:p>
-          <a:p>
-            <a:pPr marL="0" indent="0">
-              <a:buNone/>
-            </a:pPr>
-            <a:r>
-              <a:rPr lang="es-AR" sz="2000" dirty="0">
-                <a:solidFill>
-                  <a:srgbClr val="000000"/>
-                </a:solidFill>
-                <a:latin typeface="Consolas" panose="020B0609020204030204" pitchFamily="49" charset="0"/>
-              </a:rPr>
-              <a:t> </a:t>
-            </a:r>
-            <a:r>
-              <a:rPr lang="es-AR" sz="2000" dirty="0" smtClean="0">
-                <a:solidFill>
-                  <a:srgbClr val="000000"/>
-                </a:solidFill>
-                <a:latin typeface="Consolas" panose="020B0609020204030204" pitchFamily="49" charset="0"/>
-              </a:rPr>
-              <a:t>       </a:t>
-            </a:r>
-            <a:r>
-              <a:rPr lang="es-AR" sz="2000" dirty="0" err="1">
-                <a:solidFill>
-                  <a:srgbClr val="0000FF"/>
-                </a:solidFill>
-                <a:latin typeface="Consolas" panose="020B0609020204030204" pitchFamily="49" charset="0"/>
-              </a:rPr>
-              <a:t>object</a:t>
-            </a:r>
-            <a:r>
-              <a:rPr lang="es-AR" sz="2000" dirty="0">
-                <a:solidFill>
-                  <a:srgbClr val="000000"/>
-                </a:solidFill>
-                <a:latin typeface="Consolas" panose="020B0609020204030204" pitchFamily="49" charset="0"/>
-              </a:rPr>
-              <a:t>[] </a:t>
-            </a:r>
-            <a:r>
-              <a:rPr lang="es-AR" sz="2000" dirty="0" err="1">
-                <a:solidFill>
-                  <a:srgbClr val="000000"/>
-                </a:solidFill>
-                <a:latin typeface="Consolas" panose="020B0609020204030204" pitchFamily="49" charset="0"/>
-              </a:rPr>
-              <a:t>objs</a:t>
-            </a:r>
-            <a:r>
-              <a:rPr lang="es-AR" sz="2000" dirty="0">
-                <a:solidFill>
-                  <a:srgbClr val="000000"/>
-                </a:solidFill>
-                <a:latin typeface="Consolas" panose="020B0609020204030204" pitchFamily="49" charset="0"/>
-              </a:rPr>
-              <a:t> = </a:t>
-            </a:r>
-            <a:r>
-              <a:rPr lang="es-AR" sz="2000" dirty="0">
-                <a:solidFill>
-                  <a:srgbClr val="0000FF"/>
-                </a:solidFill>
-                <a:latin typeface="Consolas" panose="020B0609020204030204" pitchFamily="49" charset="0"/>
-              </a:rPr>
-              <a:t>new</a:t>
-            </a:r>
-            <a:r>
-              <a:rPr lang="es-AR" sz="2000" dirty="0">
-                <a:solidFill>
-                  <a:srgbClr val="000000"/>
-                </a:solidFill>
-                <a:latin typeface="Consolas" panose="020B0609020204030204" pitchFamily="49" charset="0"/>
-              </a:rPr>
-              <a:t> </a:t>
-            </a:r>
-            <a:r>
-              <a:rPr lang="es-AR" sz="2000" dirty="0" err="1">
-                <a:solidFill>
-                  <a:srgbClr val="0000FF"/>
-                </a:solidFill>
-                <a:latin typeface="Consolas" panose="020B0609020204030204" pitchFamily="49" charset="0"/>
-              </a:rPr>
-              <a:t>object</a:t>
-            </a:r>
-            <a:r>
-              <a:rPr lang="es-AR" sz="2000" dirty="0">
-                <a:solidFill>
-                  <a:srgbClr val="000000"/>
-                </a:solidFill>
-                <a:latin typeface="Consolas" panose="020B0609020204030204" pitchFamily="49" charset="0"/>
-              </a:rPr>
-              <a:t>[] </a:t>
-            </a:r>
-            <a:r>
-              <a:rPr lang="es-AR" sz="2000" dirty="0" smtClean="0">
-                <a:solidFill>
-                  <a:srgbClr val="000000"/>
-                </a:solidFill>
-                <a:latin typeface="Consolas" panose="020B0609020204030204" pitchFamily="49" charset="0"/>
-              </a:rPr>
-              <a:t>{ texto </a:t>
-            </a:r>
-            <a:r>
-              <a:rPr lang="es-AR" sz="2000" dirty="0">
-                <a:solidFill>
-                  <a:srgbClr val="000000"/>
-                </a:solidFill>
-                <a:latin typeface="Consolas" panose="020B0609020204030204" pitchFamily="49" charset="0"/>
-              </a:rPr>
-              <a:t>};</a:t>
-            </a:r>
-            <a:endParaRPr lang="es-AR" sz="2000" dirty="0" smtClean="0">
-              <a:solidFill>
-                <a:srgbClr val="000000"/>
-              </a:solidFill>
-              <a:latin typeface="Consolas" panose="020B0609020204030204" pitchFamily="49" charset="0"/>
-            </a:endParaRPr>
-          </a:p>
-          <a:p>
-            <a:pPr marL="0" indent="0">
-              <a:buNone/>
-            </a:pPr>
-            <a:r>
-              <a:rPr lang="es-AR" sz="2000" dirty="0" smtClean="0">
-                <a:solidFill>
-                  <a:srgbClr val="000000"/>
-                </a:solidFill>
-                <a:latin typeface="Consolas" panose="020B0609020204030204" pitchFamily="49" charset="0"/>
-              </a:rPr>
-              <a:t>        </a:t>
-            </a:r>
-            <a:r>
-              <a:rPr lang="es-AR" sz="2000" dirty="0" err="1" smtClean="0">
-                <a:solidFill>
-                  <a:srgbClr val="0000FF"/>
-                </a:solidFill>
-                <a:latin typeface="Consolas" panose="020B0609020204030204" pitchFamily="49" charset="0"/>
-              </a:rPr>
-              <a:t>this</a:t>
-            </a:r>
-            <a:r>
-              <a:rPr lang="es-AR" sz="2000" dirty="0" err="1" smtClean="0">
-                <a:solidFill>
-                  <a:srgbClr val="000000"/>
-                </a:solidFill>
-                <a:latin typeface="Consolas" panose="020B0609020204030204" pitchFamily="49" charset="0"/>
-              </a:rPr>
-              <a:t>.Invoke</a:t>
-            </a:r>
-            <a:r>
-              <a:rPr lang="es-AR" sz="2000" dirty="0" smtClean="0">
-                <a:solidFill>
-                  <a:srgbClr val="000000"/>
-                </a:solidFill>
-                <a:latin typeface="Consolas" panose="020B0609020204030204" pitchFamily="49" charset="0"/>
-              </a:rPr>
-              <a:t>(d, </a:t>
-            </a:r>
-            <a:r>
-              <a:rPr lang="es-AR" sz="2000" dirty="0" err="1" smtClean="0">
-                <a:solidFill>
-                  <a:srgbClr val="000000"/>
-                </a:solidFill>
-                <a:latin typeface="Consolas" panose="020B0609020204030204" pitchFamily="49" charset="0"/>
-              </a:rPr>
-              <a:t>objs</a:t>
-            </a:r>
-            <a:r>
-              <a:rPr lang="es-AR" sz="2000" dirty="0" smtClean="0">
-                <a:solidFill>
-                  <a:srgbClr val="000000"/>
-                </a:solidFill>
-                <a:latin typeface="Consolas" panose="020B0609020204030204" pitchFamily="49" charset="0"/>
-              </a:rPr>
-              <a:t>);</a:t>
-            </a:r>
-            <a:endParaRPr lang="es-AR" sz="2000" dirty="0">
-              <a:solidFill>
-                <a:srgbClr val="000000"/>
-              </a:solidFill>
-              <a:latin typeface="Consolas" panose="020B0609020204030204" pitchFamily="49" charset="0"/>
-            </a:endParaRPr>
-          </a:p>
-          <a:p>
-            <a:pPr marL="0" indent="0">
-              <a:buNone/>
-            </a:pPr>
-            <a:r>
-              <a:rPr lang="es-AR" sz="2000" dirty="0">
-                <a:solidFill>
-                  <a:srgbClr val="000000"/>
-                </a:solidFill>
-                <a:latin typeface="Consolas" panose="020B0609020204030204" pitchFamily="49" charset="0"/>
-              </a:rPr>
-              <a:t>    </a:t>
-            </a:r>
-            <a:r>
-              <a:rPr lang="es-AR" sz="2000" dirty="0" smtClean="0">
-                <a:solidFill>
-                  <a:srgbClr val="000000"/>
-                </a:solidFill>
-                <a:latin typeface="Consolas" panose="020B0609020204030204" pitchFamily="49" charset="0"/>
-              </a:rPr>
-              <a:t>} </a:t>
-            </a:r>
-            <a:r>
-              <a:rPr lang="es-AR" sz="2000" dirty="0" err="1" smtClean="0">
-                <a:solidFill>
-                  <a:srgbClr val="0000FF"/>
-                </a:solidFill>
-                <a:latin typeface="Consolas" panose="020B0609020204030204" pitchFamily="49" charset="0"/>
-              </a:rPr>
-              <a:t>else</a:t>
-            </a:r>
-            <a:r>
-              <a:rPr lang="es-AR" sz="2000" dirty="0" smtClean="0">
-                <a:solidFill>
-                  <a:srgbClr val="000000"/>
-                </a:solidFill>
-                <a:latin typeface="Consolas" panose="020B0609020204030204" pitchFamily="49" charset="0"/>
-              </a:rPr>
-              <a:t> {</a:t>
-            </a:r>
-            <a:endParaRPr lang="es-AR" sz="2000" dirty="0">
-              <a:solidFill>
-                <a:srgbClr val="000000"/>
-              </a:solidFill>
-              <a:latin typeface="Consolas" panose="020B0609020204030204" pitchFamily="49" charset="0"/>
-            </a:endParaRPr>
-          </a:p>
-          <a:p>
-            <a:pPr marL="0" indent="0">
-              <a:buNone/>
-            </a:pPr>
-            <a:r>
-              <a:rPr lang="es-AR" sz="2000" dirty="0">
-                <a:solidFill>
-                  <a:srgbClr val="000000"/>
-                </a:solidFill>
-                <a:latin typeface="Consolas" panose="020B0609020204030204" pitchFamily="49" charset="0"/>
-              </a:rPr>
-              <a:t>        </a:t>
-            </a:r>
-            <a:r>
-              <a:rPr lang="es-AR" sz="2000" dirty="0" err="1" smtClean="0">
-                <a:solidFill>
-                  <a:srgbClr val="0000FF"/>
-                </a:solidFill>
-                <a:latin typeface="Consolas" panose="020B0609020204030204" pitchFamily="49" charset="0"/>
-              </a:rPr>
-              <a:t>this</a:t>
-            </a:r>
-            <a:r>
-              <a:rPr lang="es-AR" sz="2000" dirty="0" err="1" smtClean="0">
-                <a:solidFill>
-                  <a:srgbClr val="000000"/>
-                </a:solidFill>
-                <a:latin typeface="Consolas" panose="020B0609020204030204" pitchFamily="49" charset="0"/>
-              </a:rPr>
-              <a:t>.textBox.Text</a:t>
-            </a:r>
-            <a:r>
-              <a:rPr lang="es-AR" sz="2000" dirty="0" smtClean="0">
-                <a:solidFill>
-                  <a:srgbClr val="000000"/>
-                </a:solidFill>
-                <a:latin typeface="Consolas" panose="020B0609020204030204" pitchFamily="49" charset="0"/>
-              </a:rPr>
-              <a:t> = texto;</a:t>
-            </a:r>
-            <a:endParaRPr lang="es-AR" sz="2000" dirty="0">
-              <a:solidFill>
-                <a:srgbClr val="000000"/>
-              </a:solidFill>
-              <a:latin typeface="Consolas" panose="020B0609020204030204" pitchFamily="49" charset="0"/>
-            </a:endParaRPr>
-          </a:p>
-          <a:p>
-            <a:pPr marL="0" indent="0">
-              <a:buNone/>
-            </a:pPr>
-            <a:r>
-              <a:rPr lang="es-AR" sz="2000" dirty="0" smtClean="0">
-                <a:solidFill>
-                  <a:srgbClr val="000000"/>
-                </a:solidFill>
-                <a:latin typeface="Consolas" panose="020B0609020204030204" pitchFamily="49" charset="0"/>
-              </a:rPr>
-              <a:t>    </a:t>
-            </a:r>
-            <a:r>
-              <a:rPr lang="es-AR" sz="2000" dirty="0">
-                <a:solidFill>
-                  <a:srgbClr val="000000"/>
-                </a:solidFill>
-                <a:latin typeface="Consolas" panose="020B0609020204030204" pitchFamily="49" charset="0"/>
-              </a:rPr>
               <a:t>}</a:t>
             </a:r>
-          </a:p>
-          <a:p>
-            <a:pPr marL="0" indent="0">
-              <a:buNone/>
-            </a:pPr>
-            <a:r>
-              <a:rPr lang="es-AR" sz="2000" dirty="0" smtClean="0">
-                <a:solidFill>
-                  <a:srgbClr val="000000"/>
-                </a:solidFill>
-                <a:latin typeface="Consolas" panose="020B0609020204030204" pitchFamily="49" charset="0"/>
-              </a:rPr>
-              <a:t>}</a:t>
-            </a:r>
-            <a:endParaRPr lang="es-ES" sz="2000" dirty="0" smtClean="0">
+            <a:endParaRPr lang="es-ES" sz="2000" dirty="0">
               <a:solidFill>
                 <a:schemeClr val="bg2"/>
               </a:solidFill>
@@ -8780,10 +8671,9 @@
           <a:lstStyle/>
           <a:p>
             <a:r>
-              <a:rPr lang="es-AR" dirty="0" smtClean="0"/>
+              <a:rPr lang="es-AR" dirty="0"/>
               <a:t>Hilos de Ejecución</a:t>
             </a:r>
-            <a:endParaRPr lang="es-AR" dirty="0"/>
           </a:p>
         </p:txBody>
       </p:sp>
@@ -8908,21 +8798,6 @@
             <a:pPr>
               <a:defRPr/>
             </a:pPr>
-            <a:endParaRPr lang="es-AR" dirty="0">
-              <a:effectLst>
-                <a:outerShdw blurRad="38100" dist="38100" dir="2700000" algn="tl">
-                  <a:srgbClr val="000000">
-                    <a:alpha val="43137"/>
-                  </a:srgbClr>
-                </a:outerShdw>
-              </a:effectLst>
-              <a:latin typeface="Franklin Gothic Medium" panose="020B0603020102020204" pitchFamily="34" charset="0"/>
-            </a:endParaRPr>
-          </a:p>
-          <a:p>
-            <a:pPr>
-              <a:defRPr/>
-            </a:pPr>
             <a:r>
               <a:rPr lang="es-AR" dirty="0">
                 <a:effectLst>
@@ -8941,21 +8816,6 @@
             <a:pPr>
               <a:defRPr/>
             </a:pPr>
-            <a:endParaRPr lang="es-AR" dirty="0">
-              <a:effectLst>
-                <a:outerShdw blurRad="38100" dist="38100" dir="2700000" algn="tl">
-                  <a:srgbClr val="000000">
-                    <a:alpha val="43137"/>
-                  </a:srgbClr>
-                </a:outerShdw>
-              </a:effectLst>
-              <a:latin typeface="Franklin Gothic Medium" panose="020B0603020102020204" pitchFamily="34" charset="0"/>
-            </a:endParaRPr>
-          </a:p>
-          <a:p>
-            <a:pPr>
-              <a:defRPr/>
-            </a:pPr>
             <a:r>
               <a:rPr lang="es-AR" dirty="0">
                 <a:effectLst>
@@ -8968,6 +8828,24 @@
                 <a:latin typeface="Franklin Gothic Medium" panose="020B0603020102020204" pitchFamily="34" charset="0"/>
               </a:rPr>
               <a:t>Los hilos de ejecución que comparten los mismos recursos, sumados a estos recursos, son en conjunto conocidos como un proceso.</a:t>
+            </a:r>
+          </a:p>
+          <a:p>
+            <a:pPr>
+              <a:defRPr/>
+            </a:pPr>
+            <a:r>
+              <a:rPr lang="es-AR" dirty="0">
+                <a:effectLst>
+                  <a:outerShdw blurRad="38100" dist="38100" dir="2700000" algn="tl">
+                    <a:srgbClr val="000000">
+                      <a:alpha val="43137"/>
+                    </a:srgbClr>
+                  </a:outerShdw>
+                </a:effectLst>
+                <a:latin typeface="Franklin Gothic Medium" panose="020B0603020102020204" pitchFamily="34" charset="0"/>
+              </a:rPr>
+              <a:t>Un hilo secundario va a tener su propia pila de ejecución, independiente de la del hilo principal.</a:t>
             </a:r>
           </a:p>
         </p:txBody>
@@ -8982,13 +8860,6 @@
   <p:clrMapOvr>
     <a:masterClrMapping/>
   </p:clrMapOvr>
-  <p:timing>
-    <p:tnLst>
-      <p:par>
-        <p:cTn id="1" dur="indefinite" restart="never" nodeType="tmRoot"/>
-      </p:par>
-    </p:tnLst>
-  </p:timing>
 </p:sld>
 </file>
 
@@ -9178,18 +9049,13 @@
           <a:p>
             <a:pPr algn="ctr"/>
             <a:r>
-              <a:rPr lang="es-AR" dirty="0" smtClean="0">
+              <a:rPr lang="es-AR" dirty="0">
                 <a:solidFill>
                   <a:schemeClr val="bg1"/>
                 </a:solidFill>
               </a:rPr>
               <a:t>Hilo Principal</a:t>
             </a:r>
-            <a:endParaRPr lang="es-AR" dirty="0">
-              <a:solidFill>
-                <a:schemeClr val="bg1"/>
-              </a:solidFill>
-            </a:endParaRPr>
           </a:p>
         </p:txBody>
       </p:sp>
@@ -9233,18 +9099,13 @@
           <a:p>
             <a:pPr algn="ctr"/>
             <a:r>
-              <a:rPr lang="es-AR" dirty="0" smtClean="0">
+              <a:rPr lang="es-AR" dirty="0">
                 <a:solidFill>
                   <a:schemeClr val="bg1"/>
                 </a:solidFill>
               </a:rPr>
               <a:t>Hilo Secundario</a:t>
             </a:r>
-            <a:endParaRPr lang="es-AR" dirty="0">
-              <a:solidFill>
-                <a:schemeClr val="bg1"/>
-              </a:solidFill>
-            </a:endParaRPr>
           </a:p>
         </p:txBody>
       </p:sp>
@@ -9307,10 +9168,9 @@
           <a:lstStyle/>
           <a:p>
             <a:r>
-              <a:rPr lang="es-AR" dirty="0" smtClean="0"/>
+              <a:rPr lang="es-AR" dirty="0"/>
               <a:t>Fin ciclo de vida</a:t>
             </a:r>
-            <a:endParaRPr lang="es-AR" dirty="0"/>
           </a:p>
         </p:txBody>
       </p:sp>
@@ -9408,10 +9268,9 @@
           <a:lstStyle/>
           <a:p>
             <a:r>
-              <a:rPr lang="es-AR" dirty="0" smtClean="0"/>
+              <a:rPr lang="es-AR" dirty="0"/>
               <a:t>Fin ciclo de vida</a:t>
             </a:r>
-            <a:endParaRPr lang="es-AR" dirty="0"/>
           </a:p>
         </p:txBody>
       </p:sp>
@@ -9810,10 +9669,9 @@
           <a:lstStyle/>
           <a:p>
             <a:r>
-              <a:rPr lang="es-AR" dirty="0" smtClean="0"/>
+              <a:rPr lang="es-AR" dirty="0"/>
               <a:t>Ejemplo básico</a:t>
             </a:r>
-            <a:endParaRPr lang="es-AR" dirty="0"/>
           </a:p>
         </p:txBody>
       </p:sp>
@@ -10023,7 +9881,7 @@
               <a:defRPr/>
             </a:pPr>
             <a:r>
-              <a:rPr lang="es-AR" dirty="0" smtClean="0">
+              <a:rPr lang="es-AR" dirty="0">
                 <a:solidFill>
                   <a:srgbClr val="008000"/>
                 </a:solidFill>
@@ -10034,7 +9892,7 @@
               </a:rPr>
               <a:t>// Agrego la biblioteca</a:t>
             </a:r>
-            <a:endParaRPr lang="es-AR" dirty="0" smtClean="0">
+            <a:endParaRPr lang="es-AR" dirty="0">
               <a:solidFill>
                 <a:srgbClr val="000000"/>
               </a:solidFill>
@@ -10054,7 +9912,7 @@
               <a:defRPr/>
             </a:pPr>
             <a:r>
-              <a:rPr lang="es-AR" dirty="0" err="1" smtClean="0">
+              <a:rPr lang="es-AR" dirty="0" err="1">
                 <a:solidFill>
                   <a:srgbClr val="0000FF"/>
                 </a:solidFill>
@@ -10066,7 +9924,7 @@
               <a:t>using</a:t>
             </a:r>
             <a:r>
-              <a:rPr lang="es-AR" dirty="0" smtClean="0">
+              <a:rPr lang="es-AR" dirty="0">
                 <a:solidFill>
                   <a:srgbClr val="000000"/>
                 </a:solidFill>
@@ -10078,7 +9936,7 @@
               <a:t> </a:t>
             </a:r>
             <a:r>
-              <a:rPr lang="es-AR" dirty="0" err="1" smtClean="0">
+              <a:rPr lang="es-AR" dirty="0" err="1">
                 <a:solidFill>
                   <a:srgbClr val="000000"/>
                 </a:solidFill>
@@ -10090,7 +9948,7 @@
               <a:t>System.Threading</a:t>
             </a:r>
             <a:r>
-              <a:rPr lang="es-AR" dirty="0" smtClean="0">
+              <a:rPr lang="es-AR" dirty="0">
                 <a:solidFill>
                   <a:srgbClr val="000000"/>
                 </a:solidFill>
@@ -10111,7 +9969,7 @@
               <a:buNone/>
               <a:defRPr/>
             </a:pPr>
-            <a:endParaRPr lang="es-AR" dirty="0" smtClean="0">
+            <a:endParaRPr lang="es-AR" dirty="0">
               <a:solidFill>
                 <a:srgbClr val="000000"/>
               </a:solidFill>
@@ -10131,7 +9989,7 @@
               <a:defRPr/>
             </a:pPr>
             <a:r>
-              <a:rPr lang="es-AR" dirty="0" smtClean="0">
+              <a:rPr lang="es-AR" dirty="0">
                 <a:solidFill>
                   <a:srgbClr val="008000"/>
                 </a:solidFill>
@@ -10142,7 +10000,7 @@
               </a:rPr>
               <a:t>// ...</a:t>
             </a:r>
-            <a:endParaRPr lang="es-AR" dirty="0" smtClean="0">
+            <a:endParaRPr lang="es-AR" dirty="0">
               <a:solidFill>
                 <a:srgbClr val="000000"/>
               </a:solidFill>
@@ -10161,7 +10019,7 @@
               <a:buNone/>
               <a:defRPr/>
             </a:pPr>
-            <a:endParaRPr lang="es-AR" dirty="0" smtClean="0">
+            <a:endParaRPr lang="es-AR" dirty="0">
               <a:solidFill>
                 <a:srgbClr val="000000"/>
               </a:solidFill>
@@ -10181,7 +10039,7 @@
               <a:defRPr/>
             </a:pPr>
             <a:r>
-              <a:rPr lang="es-AR" dirty="0" smtClean="0">
+              <a:rPr lang="es-AR" dirty="0">
                 <a:solidFill>
                   <a:srgbClr val="008000"/>
                 </a:solidFill>
@@ -10192,7 +10050,7 @@
               </a:rPr>
               <a:t>// Creo el hilo</a:t>
             </a:r>
-            <a:endParaRPr lang="es-AR" dirty="0" smtClean="0">
+            <a:endParaRPr lang="es-AR" dirty="0">
               <a:solidFill>
                 <a:srgbClr val="000000"/>
               </a:solidFill>
@@ -10212,7 +10070,7 @@
               <a:defRPr/>
             </a:pPr>
             <a:r>
-              <a:rPr lang="es-AR" dirty="0" err="1" smtClean="0">
+              <a:rPr lang="es-AR" dirty="0" err="1">
                 <a:solidFill>
                   <a:srgbClr val="2B91AF"/>
                 </a:solidFill>
@@ -10224,7 +10082,7 @@
               <a:t>Thread</a:t>
             </a:r>
             <a:r>
-              <a:rPr lang="es-AR" dirty="0" smtClean="0">
+              <a:rPr lang="es-AR" dirty="0">
                 <a:solidFill>
                   <a:srgbClr val="000000"/>
                 </a:solidFill>
@@ -10236,7 +10094,7 @@
               <a:t> t = </a:t>
             </a:r>
             <a:r>
-              <a:rPr lang="es-AR" dirty="0" smtClean="0">
+              <a:rPr lang="es-AR" dirty="0">
                 <a:solidFill>
                   <a:srgbClr val="0000FF"/>
                 </a:solidFill>
@@ -10248,7 +10106,7 @@
               <a:t>new</a:t>
             </a:r>
             <a:r>
-              <a:rPr lang="es-AR" dirty="0" smtClean="0">
+              <a:rPr lang="es-AR" dirty="0">
                 <a:solidFill>
                   <a:srgbClr val="000000"/>
                 </a:solidFill>
@@ -10260,7 +10118,7 @@
               <a:t> </a:t>
             </a:r>
             <a:r>
-              <a:rPr lang="es-AR" dirty="0" err="1" smtClean="0">
+              <a:rPr lang="es-AR" dirty="0" err="1">
                 <a:solidFill>
                   <a:srgbClr val="2B91AF"/>
                 </a:solidFill>
@@ -10272,7 +10130,7 @@
               <a:t>Thread</a:t>
             </a:r>
             <a:r>
-              <a:rPr lang="es-AR" dirty="0" smtClean="0">
+              <a:rPr lang="es-AR" dirty="0">
                 <a:solidFill>
                   <a:srgbClr val="000000"/>
                 </a:solidFill>
@@ -10284,7 +10142,7 @@
               <a:t>(</a:t>
             </a:r>
             <a:r>
-              <a:rPr lang="es-AR" dirty="0" err="1" smtClean="0">
+              <a:rPr lang="es-AR" dirty="0" err="1">
                 <a:solidFill>
                   <a:srgbClr val="000000"/>
                 </a:solidFill>
@@ -10296,7 +10154,7 @@
               <a:t>UnMetodo</a:t>
             </a:r>
             <a:r>
-              <a:rPr lang="es-AR" dirty="0" smtClean="0">
+              <a:rPr lang="es-AR" dirty="0">
                 <a:solidFill>
                   <a:srgbClr val="000000"/>
                 </a:solidFill>
@@ -10318,7 +10176,7 @@
               <a:defRPr/>
             </a:pPr>
             <a:r>
-              <a:rPr lang="es-AR" dirty="0" smtClean="0">
+              <a:rPr lang="es-AR" dirty="0">
                 <a:solidFill>
                   <a:srgbClr val="008000"/>
                 </a:solidFill>
@@ -10329,7 +10187,7 @@
               </a:rPr>
               <a:t>// Inicio el Hilo</a:t>
             </a:r>
-            <a:endParaRPr lang="es-AR" dirty="0" smtClean="0">
+            <a:endParaRPr lang="es-AR" dirty="0">
               <a:solidFill>
                 <a:srgbClr val="000000"/>
               </a:solidFill>
@@ -10349,7 +10207,7 @@
               <a:defRPr/>
             </a:pPr>
             <a:r>
-              <a:rPr lang="es-AR" dirty="0" err="1" smtClean="0">
+              <a:rPr lang="es-AR" dirty="0" err="1">
                 <a:solidFill>
                   <a:srgbClr val="000000"/>
                 </a:solidFill>
@@ -10361,7 +10219,7 @@
               <a:t>t.Start</a:t>
             </a:r>
             <a:r>
-              <a:rPr lang="es-AR" dirty="0" smtClean="0">
+              <a:rPr lang="es-AR" dirty="0">
                 <a:solidFill>
                   <a:srgbClr val="000000"/>
                 </a:solidFill>
@@ -10385,13 +10243,6 @@
   <p:clrMapOvr>
     <a:masterClrMapping/>
   </p:clrMapOvr>
-  <p:timing>
-    <p:tnLst>
-      <p:par>
-        <p:cTn id="1" dur="indefinite" restart="never" nodeType="tmRoot"/>
-      </p:par>
-    </p:tnLst>
-  </p:timing>
 </p:sld>
 </file>
 
@@ -10428,11 +10279,11 @@
           <a:lstStyle/>
           <a:p>
             <a:r>
-              <a:rPr lang="es-AR" dirty="0" smtClean="0"/>
+              <a:rPr lang="es-AR" dirty="0"/>
               <a:t>Hilos </a:t>
             </a:r>
             <a:r>
-              <a:rPr lang="es-AR" dirty="0" err="1" smtClean="0"/>
+              <a:rPr lang="es-AR" dirty="0" err="1"/>
               <a:t>Parametrizados</a:t>
             </a:r>
             <a:endParaRPr lang="es-AR" dirty="0"/>
@@ -10464,52 +10315,6 @@
             <a:pPr>
               <a:defRPr/>
             </a:pPr>
-            <a:r>
-              <a:rPr lang="es-AR" dirty="0" smtClean="0">
-                <a:effectLst>
-                  <a:outerShdw blurRad="38100" dist="38100" dir="2700000" algn="tl">
-                    <a:srgbClr val="000000">
-                      <a:alpha val="43137"/>
-                    </a:srgbClr>
-                  </a:outerShdw>
-                </a:effectLst>
-                <a:latin typeface="Franklin Gothic Medium" panose="020B0603020102020204" pitchFamily="34" charset="0"/>
-              </a:rPr>
-              <a:t>El método utilizado puede tener parámetros.</a:t>
-            </a:r>
-          </a:p>
-          <a:p>
-            <a:pPr>
-              <a:defRPr/>
-            </a:pPr>
-            <a:endParaRPr lang="es-AR" dirty="0" smtClean="0">
-              <a:effectLst>
-                <a:outerShdw blurRad="38100" dist="38100" dir="2700000" algn="tl">
-                  <a:srgbClr val="000000">
-                    <a:alpha val="43137"/>
-                  </a:srgbClr>
-                </a:outerShdw>
-              </a:effectLst>
-              <a:latin typeface="Franklin Gothic Medium" panose="020B0603020102020204" pitchFamily="34" charset="0"/>
-            </a:endParaRPr>
-          </a:p>
-          <a:p>
-            <a:pPr>
-              <a:defRPr/>
-            </a:pPr>
-            <a:r>
-              <a:rPr lang="es-AR" dirty="0" smtClean="0">
-                <a:effectLst>
-                  <a:outerShdw blurRad="38100" dist="38100" dir="2700000" algn="tl">
-                    <a:srgbClr val="000000">
-                      <a:alpha val="43137"/>
-                    </a:srgbClr>
-                  </a:outerShdw>
-                </a:effectLst>
-                <a:latin typeface="Franklin Gothic Medium" panose="020B0603020102020204" pitchFamily="34" charset="0"/>
-              </a:rPr>
-              <a:t>Para esto deberemos </a:t>
-            </a:r>
             <a:r>
               <a:rPr lang="es-AR" dirty="0">
                 <a:effectLst>
@@ -10521,33 +10326,7 @@
                 </a:effectLst>
                 <a:latin typeface="Franklin Gothic Medium" panose="020B0603020102020204" pitchFamily="34" charset="0"/>
               </a:rPr>
-              <a:t>utilizar </a:t>
-            </a:r>
-            <a:r>
-              <a:rPr lang="es-AR" dirty="0" err="1" smtClean="0">
-                <a:effectLst>
-                  <a:outerShdw blurRad="38100" dist="38100" dir="2700000" algn="tl">
-                    <a:srgbClr val="000000">
-                      <a:alpha val="43137"/>
-                    </a:srgbClr>
-                  </a:outerShdw>
-                </a:effectLst>
-                <a:latin typeface="Franklin Gothic Medium" panose="020B0603020102020204" pitchFamily="34" charset="0"/>
-              </a:rPr>
-              <a:t>ParameterizedThreadStart</a:t>
-            </a:r>
-            <a:r>
-              <a:rPr lang="es-AR" dirty="0" smtClean="0">
-                <a:effectLst>
-                  <a:outerShdw blurRad="38100" dist="38100" dir="2700000" algn="tl">
-                    <a:srgbClr val="000000">
-                      <a:alpha val="43137"/>
-                    </a:srgbClr>
-                  </a:outerShdw>
-                </a:effectLst>
-                <a:latin typeface="Franklin Gothic Medium" panose="020B0603020102020204" pitchFamily="34" charset="0"/>
-              </a:rPr>
-              <a:t> al instanciar el nuevo hilo.</a:t>
+              <a:t>El método utilizado puede tener parámetros.</a:t>
             </a:r>
           </a:p>
           <a:p>
@@ -10570,7 +10349,7 @@
               <a:defRPr/>
             </a:pPr>
             <a:r>
-              <a:rPr lang="es-AR" dirty="0" smtClean="0">
+              <a:rPr lang="es-AR" dirty="0">
                 <a:effectLst>
                   <a:outerShdw blurRad="38100" dist="38100" dir="2700000" algn="tl">
                     <a:srgbClr val="000000">
@@ -10580,10 +10359,10 @@
                 </a:effectLst>
                 <a:latin typeface="Franklin Gothic Medium" panose="020B0603020102020204" pitchFamily="34" charset="0"/>
               </a:rPr>
-              <a:t>El parámetro se pasará mediante el método </a:t>
-            </a:r>
-            <a:r>
-              <a:rPr lang="es-AR" dirty="0" err="1" smtClean="0">
+              <a:t>Para esto deberemos utilizar </a:t>
+            </a:r>
+            <a:r>
+              <a:rPr lang="es-AR" dirty="0" err="1">
                 <a:effectLst>
                   <a:outerShdw blurRad="38100" dist="38100" dir="2700000" algn="tl">
                     <a:srgbClr val="000000">
@@ -10593,10 +10372,10 @@
                 </a:effectLst>
                 <a:latin typeface="Franklin Gothic Medium" panose="020B0603020102020204" pitchFamily="34" charset="0"/>
               </a:rPr>
-              <a:t>Start</a:t>
-            </a:r>
-            <a:r>
-              <a:rPr lang="es-AR" dirty="0" smtClean="0">
+              <a:t>ParameterizedThreadStart</a:t>
+            </a:r>
+            <a:r>
+              <a:rPr lang="es-AR" dirty="0">
                 <a:effectLst>
                   <a:outerShdw blurRad="38100" dist="38100" dir="2700000" algn="tl">
                     <a:srgbClr val="000000">
@@ -10606,8 +10385,13 @@
                 </a:effectLst>
                 <a:latin typeface="Franklin Gothic Medium" panose="020B0603020102020204" pitchFamily="34" charset="0"/>
               </a:rPr>
-              <a:t> de dicho hilo.</a:t>
-            </a:r>
+              <a:t> al instanciar el nuevo hilo.</a:t>
+            </a:r>
+          </a:p>
+          <a:p>
+            <a:pPr>
+              <a:defRPr/>
+            </a:pPr>
             <a:endParaRPr lang="es-AR" dirty="0">
               <a:effectLst>
                 <a:outerShdw blurRad="38100" dist="38100" dir="2700000" algn="tl">
@@ -10619,6 +10403,50 @@
               <a:latin typeface="Franklin Gothic Medium" panose="020B0603020102020204" pitchFamily="34" charset="0"/>
             </a:endParaRPr>
           </a:p>
+          <a:p>
+            <a:pPr>
+              <a:defRPr/>
+            </a:pPr>
+            <a:r>
+              <a:rPr lang="es-AR" dirty="0">
+                <a:effectLst>
+                  <a:outerShdw blurRad="38100" dist="38100" dir="2700000" algn="tl">
+                    <a:srgbClr val="000000">
+                      <a:alpha val="43137"/>
+                    </a:srgbClr>
+                  </a:outerShdw>
+                </a:effectLst>
+                <a:latin typeface="Franklin Gothic Medium" panose="020B0603020102020204" pitchFamily="34" charset="0"/>
+              </a:rPr>
+              <a:t>El parámetro se pasará mediante el método </a:t>
+            </a:r>
+            <a:r>
+              <a:rPr lang="es-AR" dirty="0" err="1">
+                <a:effectLst>
+                  <a:outerShdw blurRad="38100" dist="38100" dir="2700000" algn="tl">
+                    <a:srgbClr val="000000">
+                      <a:alpha val="43137"/>
+                    </a:srgbClr>
+                  </a:outerShdw>
+                </a:effectLst>
+                <a:latin typeface="Franklin Gothic Medium" panose="020B0603020102020204" pitchFamily="34" charset="0"/>
+              </a:rPr>
+              <a:t>Start</a:t>
+            </a:r>
+            <a:r>
+              <a:rPr lang="es-AR" dirty="0">
+                <a:effectLst>
+                  <a:outerShdw blurRad="38100" dist="38100" dir="2700000" algn="tl">
+                    <a:srgbClr val="000000">
+                      <a:alpha val="43137"/>
+                    </a:srgbClr>
+                  </a:outerShdw>
+                </a:effectLst>
+                <a:latin typeface="Franklin Gothic Medium" panose="020B0603020102020204" pitchFamily="34" charset="0"/>
+              </a:rPr>
+              <a:t> de dicho hilo.</a:t>
+            </a:r>
+          </a:p>
         </p:txBody>
       </p:sp>
     </p:spTree>
@@ -10631,13 +10459,6 @@
   <p:clrMapOvr>
     <a:masterClrMapping/>
   </p:clrMapOvr>
-  <p:timing>
-    <p:tnLst>
-      <p:par>
-        <p:cTn id="1" dur="indefinite" restart="never" nodeType="tmRoot"/>
-      </p:par>
-    </p:tnLst>
-  </p:timing>
 </p:sld>
 </file>
 
@@ -10674,10 +10495,9 @@
           <a:lstStyle/>
           <a:p>
             <a:r>
-              <a:rPr lang="es-AR" dirty="0" smtClean="0"/>
+              <a:rPr lang="es-AR" dirty="0"/>
               <a:t>Ejemplo con parámetros</a:t>
             </a:r>
-            <a:endParaRPr lang="es-AR" dirty="0"/>
           </a:p>
         </p:txBody>
       </p:sp>
@@ -10887,7 +10707,7 @@
               <a:defRPr/>
             </a:pPr>
             <a:r>
-              <a:rPr lang="es-AR" dirty="0" smtClean="0">
+              <a:rPr lang="es-AR" dirty="0">
                 <a:solidFill>
                   <a:srgbClr val="008000"/>
                 </a:solidFill>
@@ -10896,21 +10716,9 @@
                 </a:highlight>
                 <a:latin typeface="Consolas" panose="020B0609020204030204" pitchFamily="49" charset="0"/>
               </a:rPr>
-              <a:t>// </a:t>
-            </a:r>
-            <a:r>
-              <a:rPr lang="es-AR" dirty="0" smtClean="0">
-                <a:solidFill>
-                  <a:srgbClr val="008000"/>
-                </a:solidFill>
-                <a:highlight>
-                  <a:srgbClr val="FFFFFF"/>
-                </a:highlight>
-                <a:latin typeface="Consolas" panose="020B0609020204030204" pitchFamily="49" charset="0"/>
-              </a:rPr>
-              <a:t>Creo el hilo</a:t>
-            </a:r>
-            <a:endParaRPr lang="es-AR" dirty="0" smtClean="0">
+              <a:t>// Creo el hilo</a:t>
+            </a:r>
+            <a:endParaRPr lang="es-AR" dirty="0">
               <a:solidFill>
                 <a:srgbClr val="000000"/>
               </a:solidFill>
@@ -10930,7 +10738,7 @@
               <a:defRPr/>
             </a:pPr>
             <a:r>
-              <a:rPr lang="en-US" dirty="0" smtClean="0">
+              <a:rPr lang="en-US" dirty="0">
                 <a:solidFill>
                   <a:srgbClr val="2B91AF"/>
                 </a:solidFill>
@@ -10942,7 +10750,7 @@
               <a:t>Thread</a:t>
             </a:r>
             <a:r>
-              <a:rPr lang="en-US" dirty="0" smtClean="0">
+              <a:rPr lang="en-US" dirty="0">
                 <a:solidFill>
                   <a:srgbClr val="000000"/>
                 </a:solidFill>
@@ -10954,7 +10762,7 @@
               <a:t> t = </a:t>
             </a:r>
             <a:r>
-              <a:rPr lang="en-US" dirty="0" smtClean="0">
+              <a:rPr lang="en-US" dirty="0">
                 <a:solidFill>
                   <a:srgbClr val="0000FF"/>
                 </a:solidFill>
@@ -10966,7 +10774,7 @@
               <a:t>new</a:t>
             </a:r>
             <a:r>
-              <a:rPr lang="en-US" dirty="0" smtClean="0">
+              <a:rPr lang="en-US" dirty="0">
                 <a:solidFill>
                   <a:srgbClr val="000000"/>
                 </a:solidFill>
@@ -10978,7 +10786,7 @@
               <a:t> </a:t>
             </a:r>
             <a:r>
-              <a:rPr lang="en-US" dirty="0" smtClean="0">
+              <a:rPr lang="en-US" dirty="0">
                 <a:solidFill>
                   <a:srgbClr val="2B91AF"/>
                 </a:solidFill>
@@ -10990,7 +10798,7 @@
               <a:t>Thread</a:t>
             </a:r>
             <a:r>
-              <a:rPr lang="en-US" dirty="0" smtClean="0">
+              <a:rPr lang="en-US" dirty="0">
                 <a:solidFill>
                   <a:srgbClr val="000000"/>
                 </a:solidFill>
@@ -11002,7 +10810,7 @@
               <a:t>(</a:t>
             </a:r>
             <a:r>
-              <a:rPr lang="en-US" dirty="0" smtClean="0">
+              <a:rPr lang="en-US" dirty="0">
                 <a:solidFill>
                   <a:srgbClr val="0000FF"/>
                 </a:solidFill>
@@ -11014,7 +10822,7 @@
               <a:t>new</a:t>
             </a:r>
             <a:r>
-              <a:rPr lang="en-US" dirty="0" smtClean="0">
+              <a:rPr lang="en-US" dirty="0">
                 <a:solidFill>
                   <a:srgbClr val="000000"/>
                 </a:solidFill>
@@ -11026,7 +10834,7 @@
               <a:t> </a:t>
             </a:r>
             <a:r>
-              <a:rPr lang="en-US" dirty="0" err="1" smtClean="0">
+              <a:rPr lang="en-US" dirty="0" err="1">
                 <a:solidFill>
                   <a:srgbClr val="2B91AF"/>
                 </a:solidFill>
@@ -11038,7 +10846,7 @@
               <a:t>ParameterizedThreadStart</a:t>
             </a:r>
             <a:r>
-              <a:rPr lang="en-US" dirty="0" smtClean="0">
+              <a:rPr lang="en-US" dirty="0">
                 <a:solidFill>
                   <a:srgbClr val="000000"/>
                 </a:solidFill>
@@ -11050,7 +10858,7 @@
               <a:t>(</a:t>
             </a:r>
             <a:r>
-              <a:rPr lang="en-US" dirty="0" err="1" smtClean="0">
+              <a:rPr lang="en-US" dirty="0" err="1">
                 <a:solidFill>
                   <a:srgbClr val="000000"/>
                 </a:solidFill>
@@ -11062,7 +10870,7 @@
               <a:t>Metodo</a:t>
             </a:r>
             <a:r>
-              <a:rPr lang="en-US" dirty="0" smtClean="0">
+              <a:rPr lang="en-US" dirty="0">
                 <a:solidFill>
                   <a:srgbClr val="000000"/>
                 </a:solidFill>
@@ -11084,7 +10892,7 @@
               <a:defRPr/>
             </a:pPr>
             <a:r>
-              <a:rPr lang="es-AR" dirty="0" smtClean="0">
+              <a:rPr lang="es-AR" dirty="0">
                 <a:solidFill>
                   <a:srgbClr val="008000"/>
                 </a:solidFill>
@@ -11095,7 +10903,7 @@
               </a:rPr>
               <a:t>// Inicio el Hilo, indicando el parámetro</a:t>
             </a:r>
-            <a:endParaRPr lang="es-AR" dirty="0" smtClean="0">
+            <a:endParaRPr lang="es-AR" dirty="0">
               <a:solidFill>
                 <a:srgbClr val="000000"/>
               </a:solidFill>
@@ -11115,7 +10923,7 @@
               <a:defRPr/>
             </a:pPr>
             <a:r>
-              <a:rPr lang="es-AR" dirty="0" err="1" smtClean="0">
+              <a:rPr lang="es-AR" dirty="0" err="1">
                 <a:solidFill>
                   <a:srgbClr val="000000"/>
                 </a:solidFill>
@@ -11127,7 +10935,7 @@
               <a:t>t.Start</a:t>
             </a:r>
             <a:r>
-              <a:rPr lang="es-AR" dirty="0" smtClean="0">
+              <a:rPr lang="es-AR" dirty="0">
                 <a:solidFill>
                   <a:srgbClr val="000000"/>
                 </a:solidFill>
@@ -11559,7 +11367,7 @@
               <a:defRPr/>
             </a:pPr>
             <a:r>
-              <a:rPr lang="es-AR" sz="2400" dirty="0" smtClean="0">
+              <a:rPr lang="es-AR" sz="2400" dirty="0">
                 <a:solidFill>
                   <a:srgbClr val="000000"/>
                 </a:solidFill>
@@ -11571,16 +11379,6 @@
               </a:rPr>
               <a:t>{</a:t>
             </a:r>
-            <a:endParaRPr lang="es-AR" sz="2400" dirty="0">
-              <a:solidFill>
-                <a:srgbClr val="000000"/>
-              </a:solidFill>
-              <a:effectLst/>
-              <a:highlight>
-                <a:srgbClr val="FFFFFF"/>
-              </a:highlight>
-              <a:latin typeface="Consolas" panose="020B0609020204030204" pitchFamily="49" charset="0"/>
-            </a:endParaRPr>
           </a:p>
           <a:p>
             <a:pPr marL="0" indent="0">
@@ -11592,7 +11390,7 @@
               <a:defRPr/>
             </a:pPr>
             <a:r>
-              <a:rPr lang="es-AR" sz="2400" dirty="0" smtClean="0">
+              <a:rPr lang="es-AR" sz="2400" dirty="0">
                 <a:solidFill>
                   <a:srgbClr val="2B91AF"/>
                 </a:solidFill>
@@ -11605,7 +11403,7 @@
               <a:t>      </a:t>
             </a:r>
             <a:r>
-              <a:rPr lang="es-AR" sz="2400" dirty="0" err="1" smtClean="0">
+              <a:rPr lang="es-AR" sz="2400" dirty="0" err="1">
                 <a:solidFill>
                   <a:srgbClr val="2B91AF"/>
                 </a:solidFill>
@@ -11618,7 +11416,7 @@
               <a:t>Console</a:t>
             </a:r>
             <a:r>
-              <a:rPr lang="es-AR" sz="2400" dirty="0" err="1" smtClean="0">
+              <a:rPr lang="es-AR" sz="2400" dirty="0" err="1">
                 <a:solidFill>
                   <a:srgbClr val="000000"/>
                 </a:solidFill>
@@ -11680,7 +11478,7 @@
               <a:defRPr/>
             </a:pPr>
             <a:r>
-              <a:rPr lang="es-AR" sz="2400" dirty="0" smtClean="0">
+              <a:rPr lang="es-AR" sz="2400" dirty="0">
                 <a:solidFill>
                   <a:srgbClr val="000000"/>
                 </a:solidFill>
@@ -11692,7 +11490,7 @@
               </a:rPr>
               <a:t>}</a:t>
             </a:r>
-            <a:endParaRPr lang="es-ES" sz="2400" kern="0" dirty="0" smtClean="0">
+            <a:endParaRPr lang="es-ES" sz="2400" kern="0" dirty="0">
               <a:solidFill>
                 <a:schemeClr val="bg2"/>
               </a:solidFill>
@@ -11711,13 +11509,6 @@
   <p:clrMapOvr>
     <a:masterClrMapping/>
   </p:clrMapOvr>
-  <p:timing>
-    <p:tnLst>
-      <p:par>
-        <p:cTn id="1" dur="indefinite" restart="never" nodeType="tmRoot"/>
-      </p:par>
-    </p:tnLst>
-  </p:timing>
 </p:sld>
 </file>
 
@@ -11754,10 +11545,9 @@
           <a:lstStyle/>
           <a:p>
             <a:r>
-              <a:rPr lang="es-AR" dirty="0" smtClean="0"/>
+              <a:rPr lang="es-AR" dirty="0"/>
               <a:t>Hilos y Controles Visuales</a:t>
             </a:r>
-            <a:endParaRPr lang="es-AR" dirty="0"/>
           </a:p>
         </p:txBody>
       </p:sp>
@@ -11787,7 +11577,7 @@
               <a:defRPr/>
             </a:pPr>
             <a:r>
-              <a:rPr lang="es-AR" dirty="0" smtClean="0">
+              <a:rPr lang="es-AR" dirty="0">
                 <a:effectLst>
                   <a:outerShdw blurRad="38100" dist="38100" dir="2700000" algn="tl">
                     <a:srgbClr val="000000">
@@ -11800,7 +11590,7 @@
               <a:t>Si deseamos modificar un control visual de un formulario (</a:t>
             </a:r>
             <a:r>
-              <a:rPr lang="es-AR" dirty="0" err="1" smtClean="0">
+              <a:rPr lang="es-AR" dirty="0" err="1">
                 <a:effectLst>
                   <a:outerShdw blurRad="38100" dist="38100" dir="2700000" algn="tl">
                     <a:srgbClr val="000000">
@@ -11813,7 +11603,7 @@
               <a:t>TextBox</a:t>
             </a:r>
             <a:r>
-              <a:rPr lang="es-AR" dirty="0" smtClean="0">
+              <a:rPr lang="es-AR" dirty="0">
                 <a:effectLst>
                   <a:outerShdw blurRad="38100" dist="38100" dir="2700000" algn="tl">
                     <a:srgbClr val="000000">
@@ -11826,7 +11616,7 @@
               <a:t>, </a:t>
             </a:r>
             <a:r>
-              <a:rPr lang="es-AR" dirty="0" err="1" smtClean="0">
+              <a:rPr lang="es-AR" dirty="0" err="1">
                 <a:effectLst>
                   <a:outerShdw blurRad="38100" dist="38100" dir="2700000" algn="tl">
                     <a:srgbClr val="000000">
@@ -11839,7 +11629,7 @@
               <a:t>ComboBox</a:t>
             </a:r>
             <a:r>
-              <a:rPr lang="es-AR" dirty="0" smtClean="0">
+              <a:rPr lang="es-AR" dirty="0">
                 <a:effectLst>
                   <a:outerShdw blurRad="38100" dist="38100" dir="2700000" algn="tl">
                     <a:srgbClr val="000000">
@@ -11852,7 +11642,7 @@
               <a:t>, </a:t>
             </a:r>
             <a:r>
-              <a:rPr lang="es-AR" dirty="0" err="1" smtClean="0">
+              <a:rPr lang="es-AR" dirty="0" err="1">
                 <a:effectLst>
                   <a:outerShdw blurRad="38100" dist="38100" dir="2700000" algn="tl">
                     <a:srgbClr val="000000">
@@ -11865,7 +11655,7 @@
               <a:t>Label</a:t>
             </a:r>
             <a:r>
-              <a:rPr lang="es-AR" dirty="0" smtClean="0">
+              <a:rPr lang="es-AR" dirty="0">
                 <a:effectLst>
                   <a:outerShdw blurRad="38100" dist="38100" dir="2700000" algn="tl">
                     <a:srgbClr val="000000">
@@ -11898,7 +11688,7 @@
               <a:defRPr/>
             </a:pPr>
             <a:r>
-              <a:rPr lang="es-AR" dirty="0" smtClean="0">
+              <a:rPr lang="es-AR" dirty="0">
                 <a:effectLst>
                   <a:outerShdw blurRad="38100" dist="38100" dir="2700000" algn="tl">
                     <a:srgbClr val="000000">
@@ -11911,7 +11701,7 @@
               <a:t>Para esto le consultaremos al control si necesita ser invocado el hilo principal (</a:t>
             </a:r>
             <a:r>
-              <a:rPr lang="es-AR" dirty="0" err="1" smtClean="0">
+              <a:rPr lang="es-AR" dirty="0" err="1">
                 <a:effectLst>
                   <a:outerShdw blurRad="38100" dist="38100" dir="2700000" algn="tl">
                     <a:srgbClr val="000000">
@@ -11924,7 +11714,7 @@
               <a:t>InvokeRequired</a:t>
             </a:r>
             <a:r>
-              <a:rPr lang="es-AR" dirty="0" smtClean="0">
+              <a:rPr lang="es-AR" dirty="0">
                 <a:effectLst>
                   <a:outerShdw blurRad="38100" dist="38100" dir="2700000" algn="tl">
                     <a:srgbClr val="000000">
@@ -11957,7 +11747,7 @@
               <a:defRPr/>
             </a:pPr>
             <a:r>
-              <a:rPr lang="es-AR" dirty="0" smtClean="0">
+              <a:rPr lang="es-AR" dirty="0">
                 <a:effectLst>
                   <a:outerShdw blurRad="38100" dist="38100" dir="2700000" algn="tl">
                     <a:srgbClr val="000000">
@@ -11970,7 +11760,7 @@
               <a:t>Luego invocaremos dicho hilo (</a:t>
             </a:r>
             <a:r>
-              <a:rPr lang="es-AR" dirty="0" err="1" smtClean="0">
+              <a:rPr lang="es-AR" dirty="0" err="1">
                 <a:effectLst>
                   <a:outerShdw blurRad="38100" dist="38100" dir="2700000" algn="tl">
                     <a:srgbClr val="000000">
@@ -11983,7 +11773,7 @@
               <a:t>BeginInvoke</a:t>
             </a:r>
             <a:r>
-              <a:rPr lang="es-AR" dirty="0" smtClean="0">
+              <a:rPr lang="es-AR" dirty="0">
                 <a:effectLst>
                   <a:outerShdw blurRad="38100" dist="38100" dir="2700000" algn="tl">
                     <a:srgbClr val="000000">
@@ -11995,16 +11785,6 @@
               </a:rPr>
               <a:t>) mediante un delegado.</a:t>
             </a:r>
-            <a:endParaRPr lang="es-AR" dirty="0">
-              <a:effectLst>
-                <a:outerShdw blurRad="38100" dist="38100" dir="2700000" algn="tl">
-                  <a:srgbClr val="000000">
-                    <a:alpha val="43137"/>
-                  </a:srgbClr>
-                </a:outerShdw>
-              </a:effectLst>
-              <a:latin typeface="Franklin Gothic Medium" panose="020B0603020102020204" pitchFamily="34" charset="0"/>
-            </a:endParaRPr>
           </a:p>
         </p:txBody>
       </p:sp>
@@ -12018,13 +11798,6 @@
   <p:clrMapOvr>
     <a:masterClrMapping/>
   </p:clrMapOvr>
-  <p:timing>
-    <p:tnLst>
-      <p:par>
-        <p:cTn id="1" dur="indefinite" restart="never" nodeType="tmRoot"/>
-      </p:par>
-    </p:tnLst>
-  </p:timing>
 </p:sld>
 </file>
 
@@ -12061,11 +11834,11 @@
           <a:lstStyle/>
           <a:p>
             <a:r>
-              <a:rPr lang="es-AR" dirty="0" smtClean="0"/>
+              <a:rPr lang="es-AR" dirty="0"/>
               <a:t>Ejemplo con controles de </a:t>
             </a:r>
             <a:r>
-              <a:rPr lang="es-AR" dirty="0" err="1" smtClean="0"/>
+              <a:rPr lang="es-AR" dirty="0" err="1"/>
               <a:t>Form</a:t>
             </a:r>
             <a:endParaRPr lang="es-AR" dirty="0"/>
@@ -12278,7 +12051,7 @@
               <a:defRPr/>
             </a:pPr>
             <a:r>
-              <a:rPr lang="es-AR" sz="2000" dirty="0" err="1" smtClean="0">
+              <a:rPr lang="es-AR" sz="2000" dirty="0" err="1">
                 <a:solidFill>
                   <a:srgbClr val="0000FF"/>
                 </a:solidFill>
@@ -12290,7 +12063,7 @@
               <a:t>private</a:t>
             </a:r>
             <a:r>
-              <a:rPr lang="es-AR" sz="2000" dirty="0" smtClean="0">
+              <a:rPr lang="es-AR" sz="2000" dirty="0">
                 <a:solidFill>
                   <a:srgbClr val="000000"/>
                 </a:solidFill>
@@ -12302,7 +12075,7 @@
               <a:t> </a:t>
             </a:r>
             <a:r>
-              <a:rPr lang="es-AR" sz="2000" dirty="0" err="1" smtClean="0">
+              <a:rPr lang="es-AR" sz="2000" dirty="0" err="1">
                 <a:solidFill>
                   <a:srgbClr val="0000FF"/>
                 </a:solidFill>
@@ -12314,7 +12087,7 @@
               <a:t>void</a:t>
             </a:r>
             <a:r>
-              <a:rPr lang="es-AR" sz="2000" dirty="0" smtClean="0">
+              <a:rPr lang="es-AR" sz="2000" dirty="0">
                 <a:solidFill>
                   <a:srgbClr val="000000"/>
                 </a:solidFill>
@@ -12326,7 +12099,7 @@
               <a:t> </a:t>
             </a:r>
             <a:r>
-              <a:rPr lang="es-AR" sz="2000" dirty="0" err="1" smtClean="0">
+              <a:rPr lang="es-AR" sz="2000" dirty="0" err="1">
                 <a:solidFill>
                   <a:srgbClr val="000000"/>
                 </a:solidFill>
@@ -12338,7 +12111,7 @@
               <a:t>Metodo</a:t>
             </a:r>
             <a:r>
-              <a:rPr lang="es-AR" sz="2000" dirty="0" smtClean="0">
+              <a:rPr lang="es-AR" sz="2000" dirty="0">
                 <a:solidFill>
                   <a:srgbClr val="000000"/>
                 </a:solidFill>
@@ -12350,7 +12123,7 @@
               <a:t>(</a:t>
             </a:r>
             <a:r>
-              <a:rPr lang="es-AR" sz="2000" dirty="0" err="1" smtClean="0">
+              <a:rPr lang="es-AR" sz="2000" dirty="0" err="1">
                 <a:solidFill>
                   <a:srgbClr val="0000FF"/>
                 </a:solidFill>
@@ -12362,7 +12135,7 @@
               <a:t>object</a:t>
             </a:r>
             <a:r>
-              <a:rPr lang="es-AR" sz="2000" dirty="0" smtClean="0">
+              <a:rPr lang="es-AR" sz="2000" dirty="0">
                 <a:solidFill>
                   <a:srgbClr val="000000"/>
                 </a:solidFill>
@@ -12384,7 +12157,7 @@
               <a:defRPr/>
             </a:pPr>
             <a:r>
-              <a:rPr lang="es-AR" sz="2000" dirty="0" smtClean="0">
+              <a:rPr lang="es-AR" sz="2000" dirty="0">
                 <a:solidFill>
                   <a:srgbClr val="000000"/>
                 </a:solidFill>
@@ -12406,7 +12179,7 @@
               <a:defRPr/>
             </a:pPr>
             <a:r>
-              <a:rPr lang="es-AR" sz="2000" dirty="0" smtClean="0">
+              <a:rPr lang="es-AR" sz="2000" dirty="0">
                 <a:solidFill>
                   <a:srgbClr val="000000"/>
                 </a:solidFill>
@@ -12418,7 +12191,7 @@
               <a:t>    </a:t>
             </a:r>
             <a:r>
-              <a:rPr lang="es-AR" sz="2000" dirty="0" err="1" smtClean="0">
+              <a:rPr lang="es-AR" sz="2000" dirty="0" err="1">
                 <a:solidFill>
                   <a:srgbClr val="0000FF"/>
                 </a:solidFill>
@@ -12430,7 +12203,7 @@
               <a:t>if</a:t>
             </a:r>
             <a:r>
-              <a:rPr lang="es-AR" sz="2000" dirty="0" smtClean="0">
+              <a:rPr lang="es-AR" sz="2000" dirty="0">
                 <a:solidFill>
                   <a:srgbClr val="000000"/>
                 </a:solidFill>
@@ -12442,7 +12215,7 @@
               <a:t> (</a:t>
             </a:r>
             <a:r>
-              <a:rPr lang="es-AR" sz="2000" dirty="0" err="1" smtClean="0">
+              <a:rPr lang="es-AR" sz="2000" dirty="0" err="1">
                 <a:solidFill>
                   <a:srgbClr val="0000FF"/>
                 </a:solidFill>
@@ -12454,7 +12227,7 @@
               <a:t>this</a:t>
             </a:r>
             <a:r>
-              <a:rPr lang="es-AR" sz="2000" dirty="0" err="1" smtClean="0">
+              <a:rPr lang="es-AR" sz="2000" dirty="0" err="1">
                 <a:solidFill>
                   <a:srgbClr val="000000"/>
                 </a:solidFill>
@@ -12466,7 +12239,7 @@
               <a:t>.label.InvokeRequired</a:t>
             </a:r>
             <a:r>
-              <a:rPr lang="es-AR" sz="2000" dirty="0" smtClean="0">
+              <a:rPr lang="es-AR" sz="2000" dirty="0">
                 <a:solidFill>
                   <a:srgbClr val="000000"/>
                 </a:solidFill>
@@ -12488,7 +12261,7 @@
               <a:defRPr/>
             </a:pPr>
             <a:r>
-              <a:rPr lang="es-AR" sz="2000" dirty="0" smtClean="0">
+              <a:rPr lang="es-AR" sz="2000" dirty="0">
                 <a:solidFill>
                   <a:srgbClr val="000000"/>
                 </a:solidFill>
@@ -12510,7 +12283,7 @@
               <a:defRPr/>
             </a:pPr>
             <a:r>
-              <a:rPr lang="es-AR" sz="2000" dirty="0" smtClean="0">
+              <a:rPr lang="es-AR" sz="2000" dirty="0">
                 <a:solidFill>
                   <a:srgbClr val="000000"/>
                 </a:solidFill>
@@ -12522,7 +12295,7 @@
               <a:t>        </a:t>
             </a:r>
             <a:r>
-              <a:rPr lang="es-AR" sz="2000" dirty="0" err="1" smtClean="0">
+              <a:rPr lang="es-AR" sz="2000" dirty="0" err="1">
                 <a:solidFill>
                   <a:srgbClr val="0000FF"/>
                 </a:solidFill>
@@ -12534,7 +12307,7 @@
               <a:t>this</a:t>
             </a:r>
             <a:r>
-              <a:rPr lang="es-AR" sz="2000" dirty="0" err="1" smtClean="0">
+              <a:rPr lang="es-AR" sz="2000" dirty="0" err="1">
                 <a:solidFill>
                   <a:srgbClr val="000000"/>
                 </a:solidFill>
@@ -12546,7 +12319,7 @@
               <a:t>.label.BeginInvoke</a:t>
             </a:r>
             <a:r>
-              <a:rPr lang="es-AR" sz="2000" dirty="0" smtClean="0">
+              <a:rPr lang="es-AR" sz="2000" dirty="0">
                 <a:solidFill>
                   <a:srgbClr val="000000"/>
                 </a:solidFill>
@@ -12558,7 +12331,7 @@
               <a:t>((</a:t>
             </a:r>
             <a:r>
-              <a:rPr lang="es-AR" sz="2000" dirty="0" err="1" smtClean="0">
+              <a:rPr lang="es-AR" sz="2000" dirty="0" err="1">
                 <a:solidFill>
                   <a:srgbClr val="2B91AF"/>
                 </a:solidFill>
@@ -12570,7 +12343,7 @@
               <a:t>MethodInvoker</a:t>
             </a:r>
             <a:r>
-              <a:rPr lang="es-AR" sz="2000" dirty="0" smtClean="0">
+              <a:rPr lang="es-AR" sz="2000" dirty="0">
                 <a:solidFill>
                   <a:srgbClr val="000000"/>
                 </a:solidFill>
@@ -12582,7 +12355,7 @@
               <a:t>)</a:t>
             </a:r>
             <a:r>
-              <a:rPr lang="es-AR" sz="2000" dirty="0" err="1" smtClean="0">
+              <a:rPr lang="es-AR" sz="2000" dirty="0" err="1">
                 <a:solidFill>
                   <a:srgbClr val="0000FF"/>
                 </a:solidFill>
@@ -12594,7 +12367,7 @@
               <a:t>delegate</a:t>
             </a:r>
             <a:r>
-              <a:rPr lang="es-AR" sz="2000" dirty="0" smtClean="0">
+              <a:rPr lang="es-AR" sz="2000" dirty="0">
                 <a:solidFill>
                   <a:srgbClr val="000000"/>
                 </a:solidFill>
@@ -12616,7 +12389,7 @@
               <a:defRPr/>
             </a:pPr>
             <a:r>
-              <a:rPr lang="es-AR" sz="2000" dirty="0" smtClean="0">
+              <a:rPr lang="es-AR" sz="2000" dirty="0">
                 <a:solidFill>
                   <a:srgbClr val="000000"/>
                 </a:solidFill>
@@ -12638,7 +12411,7 @@
               <a:defRPr/>
             </a:pPr>
             <a:r>
-              <a:rPr lang="es-AR" sz="2000" dirty="0" smtClean="0">
+              <a:rPr lang="es-AR" sz="2000" dirty="0">
                 <a:solidFill>
                   <a:srgbClr val="000000"/>
                 </a:solidFill>
@@ -12650,7 +12423,7 @@
               <a:t>            </a:t>
             </a:r>
             <a:r>
-              <a:rPr lang="es-AR" sz="2000" dirty="0" err="1" smtClean="0">
+              <a:rPr lang="es-AR" sz="2000" dirty="0" err="1">
                 <a:solidFill>
                   <a:srgbClr val="0000FF"/>
                 </a:solidFill>
@@ -12662,7 +12435,7 @@
               <a:t>this</a:t>
             </a:r>
             <a:r>
-              <a:rPr lang="es-AR" sz="2000" dirty="0" err="1" smtClean="0">
+              <a:rPr lang="es-AR" sz="2000" dirty="0" err="1">
                 <a:solidFill>
                   <a:srgbClr val="000000"/>
                 </a:solidFill>
@@ -12674,7 +12447,7 @@
               <a:t>.label.Text</a:t>
             </a:r>
             <a:r>
-              <a:rPr lang="es-AR" sz="2000" dirty="0" smtClean="0">
+              <a:rPr lang="es-AR" sz="2000" dirty="0">
                 <a:solidFill>
                   <a:srgbClr val="000000"/>
                 </a:solidFill>
@@ -12686,7 +12459,7 @@
               <a:t> = (</a:t>
             </a:r>
             <a:r>
-              <a:rPr lang="es-AR" sz="2000" dirty="0" err="1" smtClean="0">
+              <a:rPr lang="es-AR" sz="2000" dirty="0" err="1">
                 <a:solidFill>
                   <a:srgbClr val="0000FF"/>
                 </a:solidFill>
@@ -12698,7 +12471,7 @@
               <a:t>int</a:t>
             </a:r>
             <a:r>
-              <a:rPr lang="es-AR" sz="2000" dirty="0" smtClean="0">
+              <a:rPr lang="es-AR" sz="2000" dirty="0">
                 <a:solidFill>
                   <a:srgbClr val="000000"/>
                 </a:solidFill>
@@ -12720,7 +12493,7 @@
               <a:defRPr/>
             </a:pPr>
             <a:r>
-              <a:rPr lang="es-AR" sz="2000" dirty="0" smtClean="0">
+              <a:rPr lang="es-AR" sz="2000" dirty="0">
                 <a:solidFill>
                   <a:srgbClr val="000000"/>
                 </a:solidFill>
@@ -12742,7 +12515,7 @@
               <a:defRPr/>
             </a:pPr>
             <a:r>
-              <a:rPr lang="es-AR" sz="2000" dirty="0" smtClean="0">
+              <a:rPr lang="es-AR" sz="2000" dirty="0">
                 <a:solidFill>
                   <a:srgbClr val="000000"/>
                 </a:solidFill>
@@ -12764,7 +12537,7 @@
               <a:defRPr/>
             </a:pPr>
             <a:r>
-              <a:rPr lang="es-AR" sz="2000" dirty="0" smtClean="0">
+              <a:rPr lang="es-AR" sz="2000" dirty="0">
                 <a:solidFill>
                   <a:srgbClr val="000000"/>
                 </a:solidFill>
@@ -12786,7 +12559,7 @@
               <a:defRPr/>
             </a:pPr>
             <a:r>
-              <a:rPr lang="es-AR" sz="2000" dirty="0" smtClean="0">
+              <a:rPr lang="es-AR" sz="2000" dirty="0">
                 <a:solidFill>
                   <a:srgbClr val="000000"/>
                 </a:solidFill>
@@ -12798,7 +12571,7 @@
               <a:t>    </a:t>
             </a:r>
             <a:r>
-              <a:rPr lang="es-AR" sz="2000" dirty="0" err="1" smtClean="0">
+              <a:rPr lang="es-AR" sz="2000" dirty="0" err="1">
                 <a:solidFill>
                   <a:srgbClr val="0000FF"/>
                 </a:solidFill>
@@ -12809,7 +12582,7 @@
               </a:rPr>
               <a:t>else</a:t>
             </a:r>
-            <a:endParaRPr lang="es-AR" sz="2000" dirty="0" smtClean="0">
+            <a:endParaRPr lang="es-AR" sz="2000" dirty="0">
               <a:solidFill>
                 <a:srgbClr val="000000"/>
               </a:solidFill>
@@ -12829,7 +12602,7 @@
               <a:defRPr/>
             </a:pPr>
             <a:r>
-              <a:rPr lang="es-AR" sz="2000" dirty="0" smtClean="0">
+              <a:rPr lang="es-AR" sz="2000" dirty="0">
                 <a:solidFill>
                   <a:srgbClr val="000000"/>
                 </a:solidFill>
@@ -12851,7 +12624,7 @@
               <a:defRPr/>
             </a:pPr>
             <a:r>
-              <a:rPr lang="es-AR" sz="2000" dirty="0" smtClean="0">
+              <a:rPr lang="es-AR" sz="2000" dirty="0">
                 <a:solidFill>
                   <a:srgbClr val="000000"/>
                 </a:solidFill>
@@ -12863,7 +12636,7 @@
               <a:t>        </a:t>
             </a:r>
             <a:r>
-              <a:rPr lang="es-AR" sz="2000" dirty="0" err="1" smtClean="0">
+              <a:rPr lang="es-AR" sz="2000" dirty="0" err="1">
                 <a:solidFill>
                   <a:srgbClr val="0000FF"/>
                 </a:solidFill>
@@ -12875,7 +12648,7 @@
               <a:t>this</a:t>
             </a:r>
             <a:r>
-              <a:rPr lang="es-AR" sz="2000" dirty="0" err="1" smtClean="0">
+              <a:rPr lang="es-AR" sz="2000" dirty="0" err="1">
                 <a:solidFill>
                   <a:srgbClr val="000000"/>
                 </a:solidFill>
@@ -12887,7 +12660,7 @@
               <a:t>.label.Text</a:t>
             </a:r>
             <a:r>
-              <a:rPr lang="es-AR" sz="2000" dirty="0" smtClean="0">
+              <a:rPr lang="es-AR" sz="2000" dirty="0">
                 <a:solidFill>
                   <a:srgbClr val="000000"/>
                 </a:solidFill>
@@ -12899,7 +12672,7 @@
               <a:t> = (</a:t>
             </a:r>
             <a:r>
-              <a:rPr lang="es-AR" sz="2000" dirty="0" err="1" smtClean="0">
+              <a:rPr lang="es-AR" sz="2000" dirty="0" err="1">
                 <a:solidFill>
                   <a:srgbClr val="0000FF"/>
                 </a:solidFill>
@@ -12911,7 +12684,7 @@
               <a:t>int</a:t>
             </a:r>
             <a:r>
-              <a:rPr lang="es-AR" sz="2000" dirty="0" smtClean="0">
+              <a:rPr lang="es-AR" sz="2000" dirty="0">
                 <a:solidFill>
                   <a:srgbClr val="000000"/>
                 </a:solidFill>
@@ -12933,7 +12706,7 @@
               <a:defRPr/>
             </a:pPr>
             <a:r>
-              <a:rPr lang="es-AR" sz="2000" dirty="0" smtClean="0">
+              <a:rPr lang="es-AR" sz="2000" dirty="0">
                 <a:solidFill>
                   <a:srgbClr val="000000"/>
                 </a:solidFill>
@@ -12955,7 +12728,7 @@
               <a:defRPr/>
             </a:pPr>
             <a:r>
-              <a:rPr lang="es-AR" sz="2000" dirty="0" smtClean="0">
+              <a:rPr lang="es-AR" sz="2000" dirty="0">
                 <a:solidFill>
                   <a:srgbClr val="000000"/>
                 </a:solidFill>
@@ -12966,7 +12739,7 @@
               </a:rPr>
               <a:t>}</a:t>
             </a:r>
-            <a:endParaRPr lang="es-ES" sz="2000" dirty="0" smtClean="0">
+            <a:endParaRPr lang="es-ES" sz="2000" dirty="0">
               <a:solidFill>
                 <a:schemeClr val="bg2"/>
               </a:solidFill>
@@ -13020,10 +12793,9 @@
           <a:lstStyle/>
           <a:p>
             <a:r>
-              <a:rPr lang="es-AR" dirty="0" smtClean="0"/>
+              <a:rPr lang="es-AR" dirty="0"/>
               <a:t>Hilos y Controles Visuales</a:t>
             </a:r>
-            <a:endParaRPr lang="es-AR" dirty="0"/>
           </a:p>
         </p:txBody>
       </p:sp>
@@ -13053,7 +12825,7 @@
               <a:defRPr/>
             </a:pPr>
             <a:r>
-              <a:rPr lang="es-AR" dirty="0" smtClean="0">
+              <a:rPr lang="es-AR" dirty="0">
                 <a:effectLst>
                   <a:outerShdw blurRad="38100" dist="38100" dir="2700000" algn="tl">
                     <a:srgbClr val="000000">
@@ -13086,7 +12858,7 @@
               <a:defRPr/>
             </a:pPr>
             <a:r>
-              <a:rPr lang="es-AR" dirty="0" smtClean="0">
+              <a:rPr lang="es-AR" dirty="0">
                 <a:effectLst>
                   <a:outerShdw blurRad="38100" dist="38100" dir="2700000" algn="tl">
                     <a:srgbClr val="000000">
@@ -13099,7 +12871,7 @@
               <a:t>Para resolver este caso, utilizaremos un </a:t>
             </a:r>
             <a:r>
-              <a:rPr lang="es-AR" dirty="0" err="1" smtClean="0">
+              <a:rPr lang="es-AR" dirty="0" err="1">
                 <a:effectLst>
                   <a:outerShdw blurRad="38100" dist="38100" dir="2700000" algn="tl">
                     <a:srgbClr val="000000">
@@ -13112,7 +12884,7 @@
               <a:t>array</a:t>
             </a:r>
             <a:r>
-              <a:rPr lang="es-AR" dirty="0" smtClean="0">
+              <a:rPr lang="es-AR" dirty="0">
                 <a:effectLst>
                   <a:outerShdw blurRad="38100" dist="38100" dir="2700000" algn="tl">
                     <a:srgbClr val="000000">
@@ -13125,7 +12897,7 @@
               <a:t> de </a:t>
             </a:r>
             <a:r>
-              <a:rPr lang="es-AR" dirty="0" err="1" smtClean="0">
+              <a:rPr lang="es-AR" dirty="0" err="1">
                 <a:effectLst>
                   <a:outerShdw blurRad="38100" dist="38100" dir="2700000" algn="tl">
                     <a:srgbClr val="000000">
@@ -13138,7 +12910,7 @@
               <a:t>Object</a:t>
             </a:r>
             <a:r>
-              <a:rPr lang="es-AR" dirty="0" smtClean="0">
+              <a:rPr lang="es-AR" dirty="0">
                 <a:effectLst>
                   <a:outerShdw blurRad="38100" dist="38100" dir="2700000" algn="tl">
                     <a:srgbClr val="000000">
@@ -13171,7 +12943,7 @@
               <a:defRPr/>
             </a:pPr>
             <a:r>
-              <a:rPr lang="es-AR" dirty="0" smtClean="0">
+              <a:rPr lang="es-AR" dirty="0">
                 <a:effectLst>
                   <a:outerShdw blurRad="38100" dist="38100" dir="2700000" algn="tl">
                     <a:srgbClr val="000000">
@@ -13184,7 +12956,7 @@
               <a:t>Al realizar el </a:t>
             </a:r>
             <a:r>
-              <a:rPr lang="es-AR" dirty="0" err="1" smtClean="0">
+              <a:rPr lang="es-AR" dirty="0" err="1">
                 <a:effectLst>
                   <a:outerShdw blurRad="38100" dist="38100" dir="2700000" algn="tl">
                     <a:srgbClr val="000000">
@@ -13197,7 +12969,7 @@
               <a:t>Invoke</a:t>
             </a:r>
             <a:r>
-              <a:rPr lang="es-AR" dirty="0" smtClean="0">
+              <a:rPr lang="es-AR" dirty="0">
                 <a:effectLst>
                   <a:outerShdw blurRad="38100" dist="38100" dir="2700000" algn="tl">
                     <a:srgbClr val="000000">
@@ -13210,7 +12982,7 @@
               <a:t> (sincrónico, espera que un </a:t>
             </a:r>
             <a:r>
-              <a:rPr lang="es-AR" dirty="0" err="1" smtClean="0">
+              <a:rPr lang="es-AR" dirty="0" err="1">
                 <a:effectLst>
                   <a:outerShdw blurRad="38100" dist="38100" dir="2700000" algn="tl">
                     <a:srgbClr val="000000">
@@ -13223,7 +12995,7 @@
               <a:t>Thread</a:t>
             </a:r>
             <a:r>
-              <a:rPr lang="es-AR" dirty="0" smtClean="0">
+              <a:rPr lang="es-AR" dirty="0">
                 <a:effectLst>
                   <a:outerShdw blurRad="38100" dist="38100" dir="2700000" algn="tl">
                     <a:srgbClr val="000000">
@@ -13236,7 +13008,7 @@
               <a:t> finalice </a:t>
             </a:r>
             <a:r>
-              <a:rPr lang="es-AR" smtClean="0">
+              <a:rPr lang="es-AR">
                 <a:effectLst>
                   <a:outerShdw blurRad="38100" dist="38100" dir="2700000" algn="tl">
                     <a:srgbClr val="000000">
@@ -13249,7 +13021,7 @@
               <a:t>para ejecutar otro) </a:t>
             </a:r>
             <a:r>
-              <a:rPr lang="es-AR" dirty="0" smtClean="0">
+              <a:rPr lang="es-AR" dirty="0">
                 <a:effectLst>
                   <a:outerShdw blurRad="38100" dist="38100" dir="2700000" algn="tl">
                     <a:srgbClr val="000000">
@@ -13262,7 +13034,7 @@
               <a:t>o </a:t>
             </a:r>
             <a:r>
-              <a:rPr lang="es-AR" dirty="0" err="1" smtClean="0">
+              <a:rPr lang="es-AR" dirty="0" err="1">
                 <a:effectLst>
                   <a:outerShdw blurRad="38100" dist="38100" dir="2700000" algn="tl">
                     <a:srgbClr val="000000">
@@ -13275,7 +13047,7 @@
               <a:t>BeginInvoke</a:t>
             </a:r>
             <a:r>
-              <a:rPr lang="es-AR" dirty="0" smtClean="0">
+              <a:rPr lang="es-AR" dirty="0">
                 <a:effectLst>
                   <a:outerShdw blurRad="38100" dist="38100" dir="2700000" algn="tl">
                     <a:srgbClr val="000000">
@@ -13288,7 +13060,7 @@
               <a:t> (asincrónico) se pasará el delegado y dicho </a:t>
             </a:r>
             <a:r>
-              <a:rPr lang="es-AR" dirty="0" err="1" smtClean="0">
+              <a:rPr lang="es-AR" dirty="0" err="1">
                 <a:effectLst>
                   <a:outerShdw blurRad="38100" dist="38100" dir="2700000" algn="tl">
                     <a:srgbClr val="000000">
@@ -13301,7 +13073,7 @@
               <a:t>array</a:t>
             </a:r>
             <a:r>
-              <a:rPr lang="es-AR" dirty="0" smtClean="0">
+              <a:rPr lang="es-AR" dirty="0">
                 <a:effectLst>
                   <a:outerShdw blurRad="38100" dist="38100" dir="2700000" algn="tl">
                     <a:srgbClr val="000000">
@@ -13313,16 +13085,6 @@
               </a:rPr>
               <a:t>.</a:t>
             </a:r>
-            <a:endParaRPr lang="es-AR" dirty="0">
-              <a:effectLst>
-                <a:outerShdw blurRad="38100" dist="38100" dir="2700000" algn="tl">
-                  <a:srgbClr val="000000">
-                    <a:alpha val="43137"/>
-                  </a:srgbClr>
-                </a:outerShdw>
-              </a:effectLst>
-              <a:latin typeface="Franklin Gothic Medium" panose="020B0603020102020204" pitchFamily="34" charset="0"/>
-            </a:endParaRPr>
           </a:p>
         </p:txBody>
       </p:sp>
@@ -13336,13 +13098,6 @@
   <p:clrMapOvr>
     <a:masterClrMapping/>
   </p:clrMapOvr>
-  <p:timing>
-    <p:tnLst>
-      <p:par>
-        <p:cTn id="1" dur="indefinite" restart="never" nodeType="tmRoot"/>
-      </p:par>
-    </p:tnLst>
-  </p:timing>
 </p:sld>
 </file>
 

--- a/PPTs/ProgramacionII_Clase_22-2019.pptx
+++ b/PPTs/ProgramacionII_Clase_22-2019.pptx
@@ -8147,7 +8147,25 @@
                 </a:solidFill>
                 <a:latin typeface="Consolas" panose="020B0609020204030204" pitchFamily="49" charset="0"/>
               </a:rPr>
-              <a:t>();</a:t>
+              <a:t>(</a:t>
+            </a:r>
+            <a:r>
+              <a:rPr lang="es-AR" sz="2000" dirty="0" err="1">
+                <a:solidFill>
+                  <a:srgbClr val="0000FF"/>
+                </a:solidFill>
+                <a:latin typeface="Consolas" panose="020B0609020204030204" pitchFamily="49" charset="0"/>
+              </a:rPr>
+              <a:t>string</a:t>
+            </a:r>
+            <a:r>
+              <a:rPr lang="es-AR" sz="2000" dirty="0">
+                <a:solidFill>
+                  <a:srgbClr val="000000"/>
+                </a:solidFill>
+                <a:latin typeface="Consolas" panose="020B0609020204030204" pitchFamily="49" charset="0"/>
+              </a:rPr>
+              <a:t> t);</a:t>
             </a:r>
           </a:p>
           <a:p>
@@ -13005,10 +13023,10 @@
                 </a:effectLst>
                 <a:latin typeface="Franklin Gothic Medium" panose="020B0603020102020204" pitchFamily="34" charset="0"/>
               </a:rPr>
-              <a:t> finalice </a:t>
-            </a:r>
-            <a:r>
-              <a:rPr lang="es-AR">
+              <a:t> finalice para ejecutar otro) o </a:t>
+            </a:r>
+            <a:r>
+              <a:rPr lang="es-AR" dirty="0" err="1">
                 <a:effectLst>
                   <a:outerShdw blurRad="38100" dist="38100" dir="2700000" algn="tl">
                     <a:srgbClr val="000000">
@@ -13018,7 +13036,7 @@
                 </a:effectLst>
                 <a:latin typeface="Franklin Gothic Medium" panose="020B0603020102020204" pitchFamily="34" charset="0"/>
               </a:rPr>
-              <a:t>para ejecutar otro) </a:t>
+              <a:t>BeginInvoke</a:t>
             </a:r>
             <a:r>
               <a:rPr lang="es-AR" dirty="0">
@@ -13031,59 +13049,7 @@
                 </a:effectLst>
                 <a:latin typeface="Franklin Gothic Medium" panose="020B0603020102020204" pitchFamily="34" charset="0"/>
               </a:rPr>
-              <a:t>o </a:t>
-            </a:r>
-            <a:r>
-              <a:rPr lang="es-AR" dirty="0" err="1">
-                <a:effectLst>
-                  <a:outerShdw blurRad="38100" dist="38100" dir="2700000" algn="tl">
-                    <a:srgbClr val="000000">
-                      <a:alpha val="43137"/>
-                    </a:srgbClr>
-                  </a:outerShdw>
-                </a:effectLst>
-                <a:latin typeface="Franklin Gothic Medium" panose="020B0603020102020204" pitchFamily="34" charset="0"/>
-              </a:rPr>
-              <a:t>BeginInvoke</a:t>
-            </a:r>
-            <a:r>
-              <a:rPr lang="es-AR" dirty="0">
-                <a:effectLst>
-                  <a:outerShdw blurRad="38100" dist="38100" dir="2700000" algn="tl">
-                    <a:srgbClr val="000000">
-                      <a:alpha val="43137"/>
-                    </a:srgbClr>
-                  </a:outerShdw>
-                </a:effectLst>
-                <a:latin typeface="Franklin Gothic Medium" panose="020B0603020102020204" pitchFamily="34" charset="0"/>
-              </a:rPr>
-              <a:t> (asincrónico) se pasará el delegado y dicho </a:t>
-            </a:r>
-            <a:r>
-              <a:rPr lang="es-AR" dirty="0" err="1">
-                <a:effectLst>
-                  <a:outerShdw blurRad="38100" dist="38100" dir="2700000" algn="tl">
-                    <a:srgbClr val="000000">
-                      <a:alpha val="43137"/>
-                    </a:srgbClr>
-                  </a:outerShdw>
-                </a:effectLst>
-                <a:latin typeface="Franklin Gothic Medium" panose="020B0603020102020204" pitchFamily="34" charset="0"/>
-              </a:rPr>
-              <a:t>array</a:t>
-            </a:r>
-            <a:r>
-              <a:rPr lang="es-AR" dirty="0">
-                <a:effectLst>
-                  <a:outerShdw blurRad="38100" dist="38100" dir="2700000" algn="tl">
-                    <a:srgbClr val="000000">
-                      <a:alpha val="43137"/>
-                    </a:srgbClr>
-                  </a:outerShdw>
-                </a:effectLst>
-                <a:latin typeface="Franklin Gothic Medium" panose="020B0603020102020204" pitchFamily="34" charset="0"/>
-              </a:rPr>
-              <a:t>.</a:t>
+              <a:t> (asincrónico) se pasará el delegado y dicho array.</a:t>
             </a:r>
           </a:p>
         </p:txBody>
